--- a/trunk/ITERACION 5/SUB ITERACION 5/PPT TP3 PRES05.pptx
+++ b/trunk/ITERACION 5/SUB ITERACION 5/PPT TP3 PRES05.pptx
@@ -5,18 +5,20 @@
     <p:sldMasterId id="2147483667" r:id="rId1"/>
   </p:sldMasterIdLst>
   <p:notesMasterIdLst>
-    <p:notesMasterId r:id="rId11"/>
+    <p:notesMasterId r:id="rId13"/>
   </p:notesMasterIdLst>
   <p:sldIdLst>
     <p:sldId id="256" r:id="rId2"/>
-    <p:sldId id="418" r:id="rId3"/>
-    <p:sldId id="421" r:id="rId4"/>
-    <p:sldId id="437" r:id="rId5"/>
-    <p:sldId id="438" r:id="rId6"/>
-    <p:sldId id="439" r:id="rId7"/>
-    <p:sldId id="423" r:id="rId8"/>
-    <p:sldId id="440" r:id="rId9"/>
-    <p:sldId id="379" r:id="rId10"/>
+    <p:sldId id="441" r:id="rId3"/>
+    <p:sldId id="442" r:id="rId4"/>
+    <p:sldId id="418" r:id="rId5"/>
+    <p:sldId id="421" r:id="rId6"/>
+    <p:sldId id="437" r:id="rId7"/>
+    <p:sldId id="438" r:id="rId8"/>
+    <p:sldId id="439" r:id="rId9"/>
+    <p:sldId id="423" r:id="rId10"/>
+    <p:sldId id="440" r:id="rId11"/>
+    <p:sldId id="379" r:id="rId12"/>
   </p:sldIdLst>
   <p:sldSz cx="9144000" cy="6858000" type="screen4x3"/>
   <p:notesSz cx="6858000" cy="9144000"/>
@@ -250,7 +252,7 @@
             <a:pPr>
               <a:defRPr/>
             </a:pPr>
-            <a:fld id="{DC9EBBD4-9E28-4418-A5BE-55D874F1FA96}" type="datetimeFigureOut">
+            <a:fld id="{C340AE7F-85CD-43BB-BD47-30BEF0C5CF8F}" type="datetimeFigureOut">
               <a:rPr lang="es-PE"/>
               <a:pPr>
                 <a:defRPr/>
@@ -437,7 +439,7 @@
             <a:pPr>
               <a:defRPr/>
             </a:pPr>
-            <a:fld id="{2A09BBC9-43C9-41D0-96EF-BEF73137107B}" type="slidenum">
+            <a:fld id="{8FC3A262-63E9-4EC3-AED1-E1854FD7176C}" type="slidenum">
               <a:rPr lang="es-PE"/>
               <a:pPr>
                 <a:defRPr/>
@@ -2436,7 +2438,7 @@
             <a:pPr>
               <a:defRPr/>
             </a:pPr>
-            <a:fld id="{7E68F40D-D617-4474-BB34-BA0EC2F74AB6}" type="datetimeFigureOut">
+            <a:fld id="{BC7D6BC2-0211-476F-8C54-B1CDF1A9398D}" type="datetimeFigureOut">
               <a:rPr lang="es-PE"/>
               <a:pPr>
                 <a:defRPr/>
@@ -2495,7 +2497,7 @@
             <a:pPr>
               <a:defRPr/>
             </a:pPr>
-            <a:fld id="{D972A6C4-0D43-4B8A-94C5-AD744136B5A7}" type="slidenum">
+            <a:fld id="{90342C53-2D9B-46B8-9CA7-1FF044059B9A}" type="slidenum">
               <a:rPr lang="es-PE"/>
               <a:pPr>
                 <a:defRPr/>
@@ -4353,7 +4355,7 @@
             <a:pPr>
               <a:defRPr/>
             </a:pPr>
-            <a:fld id="{A485B2E8-5608-4DE6-9D37-8D9CF44ECDDA}" type="datetimeFigureOut">
+            <a:fld id="{11794A09-1967-484E-BCDB-188B3C57AB28}" type="datetimeFigureOut">
               <a:rPr lang="es-PE"/>
               <a:pPr>
                 <a:defRPr/>
@@ -4412,7 +4414,7 @@
             <a:pPr>
               <a:defRPr/>
             </a:pPr>
-            <a:fld id="{E8DB5008-7309-43E4-BC55-EC973943C96B}" type="slidenum">
+            <a:fld id="{61E6A1BA-8D61-4E91-A320-F5E73A2B5B12}" type="slidenum">
               <a:rPr lang="es-PE"/>
               <a:pPr>
                 <a:defRPr/>
@@ -6134,7 +6136,7 @@
             <a:pPr>
               <a:defRPr/>
             </a:pPr>
-            <a:fld id="{9FE909F1-8B97-4801-82C1-561F8FA817A9}" type="datetimeFigureOut">
+            <a:fld id="{8595935C-C682-492C-AA06-E6346A189036}" type="datetimeFigureOut">
               <a:rPr lang="es-PE"/>
               <a:pPr>
                 <a:defRPr/>
@@ -6193,7 +6195,7 @@
             <a:pPr>
               <a:defRPr/>
             </a:pPr>
-            <a:fld id="{4FF527CB-2A1F-427D-A704-36F6C206B229}" type="slidenum">
+            <a:fld id="{BDF6CE65-99F7-4887-97EB-D88327D34D07}" type="slidenum">
               <a:rPr lang="es-PE"/>
               <a:pPr>
                 <a:defRPr/>
@@ -8150,7 +8152,7 @@
             <a:pPr>
               <a:defRPr/>
             </a:pPr>
-            <a:fld id="{85074802-1930-43AA-9EDF-CC20251AEC67}" type="datetimeFigureOut">
+            <a:fld id="{1D62E8B5-9787-4882-B00D-A789E721E6B0}" type="datetimeFigureOut">
               <a:rPr lang="es-PE"/>
               <a:pPr>
                 <a:defRPr/>
@@ -8209,7 +8211,7 @@
             <a:pPr>
               <a:defRPr/>
             </a:pPr>
-            <a:fld id="{AF9A8F6C-8A7D-4FB0-B712-C2C9AD9699C1}" type="slidenum">
+            <a:fld id="{2D449C25-9BEB-43F8-A26E-58219DCDCCCE}" type="slidenum">
               <a:rPr lang="es-PE"/>
               <a:pPr>
                 <a:defRPr/>
@@ -10137,7 +10139,7 @@
             <a:pPr>
               <a:defRPr/>
             </a:pPr>
-            <a:fld id="{F4C8F5D0-2CE3-49CF-8823-163F0B311B73}" type="datetimeFigureOut">
+            <a:fld id="{C5D97A89-4A8C-41D4-A577-A22AAE36022D}" type="datetimeFigureOut">
               <a:rPr lang="es-PE"/>
               <a:pPr>
                 <a:defRPr/>
@@ -10196,7 +10198,7 @@
             <a:pPr>
               <a:defRPr/>
             </a:pPr>
-            <a:fld id="{A6F299FB-D668-4617-848A-6DB6221EAC82}" type="slidenum">
+            <a:fld id="{A5E9FB95-C81D-48A2-B961-A366FBAFF4B0}" type="slidenum">
               <a:rPr lang="es-PE"/>
               <a:pPr>
                 <a:defRPr/>
@@ -12042,7 +12044,7 @@
             <a:pPr>
               <a:defRPr/>
             </a:pPr>
-            <a:fld id="{5FF84445-4E22-4597-AA0B-823A99BE5FBB}" type="datetimeFigureOut">
+            <a:fld id="{19E14EF7-E339-45CF-A160-69075B1B333F}" type="datetimeFigureOut">
               <a:rPr lang="es-PE"/>
               <a:pPr>
                 <a:defRPr/>
@@ -12101,7 +12103,7 @@
             <a:pPr>
               <a:defRPr/>
             </a:pPr>
-            <a:fld id="{3306E036-8FF2-4E64-A3CE-A63A5F0BBC18}" type="slidenum">
+            <a:fld id="{858CE79A-EDF2-4779-88EE-FD3B4C2A0E70}" type="slidenum">
               <a:rPr lang="es-PE"/>
               <a:pPr>
                 <a:defRPr/>
@@ -12297,7 +12299,7 @@
             <a:pPr>
               <a:defRPr/>
             </a:pPr>
-            <a:fld id="{FEF695FE-3024-47AA-BD6A-60C8E81C8FF4}" type="datetimeFigureOut">
+            <a:fld id="{F9A0334D-DF83-44CD-9501-661870E817D9}" type="datetimeFigureOut">
               <a:rPr lang="es-PE"/>
               <a:pPr>
                 <a:defRPr/>
@@ -12394,7 +12396,7 @@
             <a:pPr>
               <a:defRPr/>
             </a:pPr>
-            <a:fld id="{07AA5079-0ADB-4FCC-A3DA-3A5CB4274880}" type="slidenum">
+            <a:fld id="{670F1386-A169-4118-833C-EA3AADA0A8B0}" type="slidenum">
               <a:rPr lang="es-PE"/>
               <a:pPr>
                 <a:defRPr/>
@@ -12967,7 +12969,545 @@
 </p:sld>
 </file>
 
+<file path=ppt/slides/slide10.xml><?xml version="1.0" encoding="utf-8"?>
+<p:sld xmlns:a="http://schemas.openxmlformats.org/drawingml/2006/main" xmlns:r="http://schemas.openxmlformats.org/officeDocument/2006/relationships" xmlns:p="http://schemas.openxmlformats.org/presentationml/2006/main">
+  <p:cSld>
+    <p:spTree>
+      <p:nvGrpSpPr>
+        <p:cNvPr id="1" name=""/>
+        <p:cNvGrpSpPr/>
+        <p:nvPr/>
+      </p:nvGrpSpPr>
+      <p:grpSpPr>
+        <a:xfrm>
+          <a:off x="0" y="0"/>
+          <a:ext cx="0" cy="0"/>
+          <a:chOff x="0" y="0"/>
+          <a:chExt cx="0" cy="0"/>
+        </a:xfrm>
+      </p:grpSpPr>
+      <p:sp>
+        <p:nvSpPr>
+          <p:cNvPr id="16385" name="2 Título"/>
+          <p:cNvSpPr>
+            <a:spLocks noGrp="1"/>
+          </p:cNvSpPr>
+          <p:nvPr>
+            <p:ph type="title" idx="4294967295"/>
+          </p:nvPr>
+        </p:nvSpPr>
+        <p:spPr>
+          <a:xfrm>
+            <a:off x="323850" y="260350"/>
+            <a:ext cx="8516938" cy="1252538"/>
+          </a:xfrm>
+        </p:spPr>
+        <p:txBody>
+          <a:bodyPr/>
+          <a:lstStyle/>
+          <a:p>
+            <a:pPr eaLnBrk="1" hangingPunct="1"/>
+            <a:r>
+              <a:rPr lang="es-PE" sz="4000" b="1" smtClean="0">
+                <a:solidFill>
+                  <a:schemeClr val="bg1"/>
+                </a:solidFill>
+                <a:latin typeface="Candara" pitchFamily="34" charset="0"/>
+              </a:rPr>
+              <a:t>METRICAS DE CALIDAD APLICADAS A OTROS MODULOS</a:t>
+            </a:r>
+          </a:p>
+        </p:txBody>
+      </p:sp>
+      <p:sp>
+        <p:nvSpPr>
+          <p:cNvPr id="16386" name="Text Box 4"/>
+          <p:cNvSpPr txBox="1">
+            <a:spLocks noChangeArrowheads="1"/>
+          </p:cNvSpPr>
+          <p:nvPr/>
+        </p:nvSpPr>
+        <p:spPr bwMode="auto">
+          <a:xfrm>
+            <a:off x="755650" y="2133600"/>
+            <a:ext cx="7920038" cy="2465388"/>
+          </a:xfrm>
+          <a:prstGeom prst="rect">
+            <a:avLst/>
+          </a:prstGeom>
+          <a:noFill/>
+          <a:ln w="9525">
+            <a:noFill/>
+            <a:miter lim="800000"/>
+            <a:headEnd/>
+            <a:tailEnd/>
+          </a:ln>
+        </p:spPr>
+        <p:txBody>
+          <a:bodyPr>
+            <a:spAutoFit/>
+          </a:bodyPr>
+          <a:lstStyle/>
+          <a:p>
+            <a:pPr>
+              <a:spcBef>
+                <a:spcPct val="50000"/>
+              </a:spcBef>
+              <a:buFontTx/>
+              <a:buChar char="•"/>
+            </a:pPr>
+            <a:r>
+              <a:rPr lang="es-ES" sz="2400">
+                <a:solidFill>
+                  <a:schemeClr val="tx2"/>
+                </a:solidFill>
+              </a:rPr>
+              <a:t>Métrica Interna</a:t>
+            </a:r>
+          </a:p>
+          <a:p>
+            <a:pPr>
+              <a:spcBef>
+                <a:spcPct val="50000"/>
+              </a:spcBef>
+            </a:pPr>
+            <a:r>
+              <a:rPr lang="es-ES" sz="2400">
+                <a:solidFill>
+                  <a:schemeClr val="tx2"/>
+                </a:solidFill>
+              </a:rPr>
+              <a:t>Registrabilidad de Cambios</a:t>
+            </a:r>
+            <a:br>
+              <a:rPr lang="es-ES" sz="2400">
+                <a:solidFill>
+                  <a:schemeClr val="tx2"/>
+                </a:solidFill>
+              </a:rPr>
+            </a:br>
+            <a:endParaRPr lang="es-ES" sz="2400">
+              <a:solidFill>
+                <a:schemeClr val="tx2"/>
+              </a:solidFill>
+            </a:endParaRPr>
+          </a:p>
+          <a:p>
+            <a:pPr>
+              <a:spcBef>
+                <a:spcPct val="50000"/>
+              </a:spcBef>
+              <a:buFontTx/>
+              <a:buChar char="•"/>
+            </a:pPr>
+            <a:r>
+              <a:rPr lang="es-ES" sz="2400">
+                <a:solidFill>
+                  <a:schemeClr val="tx2"/>
+                </a:solidFill>
+              </a:rPr>
+              <a:t>Métrica Externa</a:t>
+            </a:r>
+          </a:p>
+          <a:p>
+            <a:pPr>
+              <a:spcBef>
+                <a:spcPct val="50000"/>
+              </a:spcBef>
+            </a:pPr>
+            <a:r>
+              <a:rPr lang="es-ES" sz="2400">
+                <a:solidFill>
+                  <a:schemeClr val="tx2"/>
+                </a:solidFill>
+              </a:rPr>
+              <a:t>Prevención de caídas</a:t>
+            </a:r>
+          </a:p>
+        </p:txBody>
+      </p:sp>
+    </p:spTree>
+  </p:cSld>
+  <p:clrMapOvr>
+    <a:masterClrMapping/>
+  </p:clrMapOvr>
+  <p:timing>
+    <p:tnLst>
+      <p:par>
+        <p:cTn id="1" dur="indefinite" restart="never" nodeType="tmRoot"/>
+      </p:par>
+    </p:tnLst>
+  </p:timing>
+</p:sld>
+</file>
+
+<file path=ppt/slides/slide11.xml><?xml version="1.0" encoding="utf-8"?>
+<p:sld xmlns:a="http://schemas.openxmlformats.org/drawingml/2006/main" xmlns:r="http://schemas.openxmlformats.org/officeDocument/2006/relationships" xmlns:p="http://schemas.openxmlformats.org/presentationml/2006/main">
+  <p:cSld>
+    <p:spTree>
+      <p:nvGrpSpPr>
+        <p:cNvPr id="1" name=""/>
+        <p:cNvGrpSpPr/>
+        <p:nvPr/>
+      </p:nvGrpSpPr>
+      <p:grpSpPr>
+        <a:xfrm>
+          <a:off x="0" y="0"/>
+          <a:ext cx="0" cy="0"/>
+          <a:chOff x="0" y="0"/>
+          <a:chExt cx="0" cy="0"/>
+        </a:xfrm>
+      </p:grpSpPr>
+      <p:sp>
+        <p:nvSpPr>
+          <p:cNvPr id="17409" name="1 Título"/>
+          <p:cNvSpPr>
+            <a:spLocks noGrp="1"/>
+          </p:cNvSpPr>
+          <p:nvPr>
+            <p:ph type="ctrTitle"/>
+          </p:nvPr>
+        </p:nvSpPr>
+        <p:spPr>
+          <a:xfrm>
+            <a:off x="390525" y="476250"/>
+            <a:ext cx="8280400" cy="1584325"/>
+          </a:xfrm>
+        </p:spPr>
+        <p:txBody>
+          <a:bodyPr/>
+          <a:lstStyle/>
+          <a:p>
+            <a:pPr eaLnBrk="1" hangingPunct="1"/>
+            <a:r>
+              <a:rPr lang="es-PE" smtClean="0">
+                <a:latin typeface="Candara" pitchFamily="34" charset="0"/>
+              </a:rPr>
+              <a:t>CONTRATOS DE CLIENTES</a:t>
+            </a:r>
+            <a:endParaRPr lang="es-PE" sz="3600" smtClean="0">
+              <a:latin typeface="Candara" pitchFamily="34" charset="0"/>
+            </a:endParaRPr>
+          </a:p>
+        </p:txBody>
+      </p:sp>
+      <p:sp>
+        <p:nvSpPr>
+          <p:cNvPr id="17410" name="3 CuadroTexto"/>
+          <p:cNvSpPr txBox="1">
+            <a:spLocks noChangeArrowheads="1"/>
+          </p:cNvSpPr>
+          <p:nvPr/>
+        </p:nvSpPr>
+        <p:spPr bwMode="auto">
+          <a:xfrm>
+            <a:off x="4459288" y="3573463"/>
+            <a:ext cx="4186237" cy="2678112"/>
+          </a:xfrm>
+          <a:prstGeom prst="rect">
+            <a:avLst/>
+          </a:prstGeom>
+          <a:noFill/>
+          <a:ln w="9525">
+            <a:noFill/>
+            <a:miter lim="800000"/>
+            <a:headEnd/>
+            <a:tailEnd/>
+          </a:ln>
+        </p:spPr>
+        <p:txBody>
+          <a:bodyPr>
+            <a:spAutoFit/>
+          </a:bodyPr>
+          <a:lstStyle/>
+          <a:p>
+            <a:pPr algn="r"/>
+            <a:r>
+              <a:rPr lang="es-PE" sz="2400">
+                <a:latin typeface="Candara" pitchFamily="34" charset="0"/>
+              </a:rPr>
+              <a:t>Orlando Sedamano Cornejo</a:t>
+            </a:r>
+          </a:p>
+          <a:p>
+            <a:pPr algn="r"/>
+            <a:r>
+              <a:rPr lang="es-PE" sz="2400">
+                <a:latin typeface="Candara" pitchFamily="34" charset="0"/>
+              </a:rPr>
+              <a:t>Marco Bustinza </a:t>
+            </a:r>
+          </a:p>
+          <a:p>
+            <a:pPr algn="r"/>
+            <a:r>
+              <a:rPr lang="es-PE" sz="2400">
+                <a:latin typeface="Candara" pitchFamily="34" charset="0"/>
+              </a:rPr>
+              <a:t>Néstor Robles Cacha</a:t>
+            </a:r>
+          </a:p>
+          <a:p>
+            <a:pPr algn="r"/>
+            <a:r>
+              <a:rPr lang="es-PE" sz="2400">
+                <a:latin typeface="Candara" pitchFamily="34" charset="0"/>
+              </a:rPr>
+              <a:t>Gabriela Rojas Munive </a:t>
+            </a:r>
+          </a:p>
+          <a:p>
+            <a:pPr algn="r"/>
+            <a:r>
+              <a:rPr lang="es-PE" sz="2400">
+                <a:latin typeface="Candara" pitchFamily="34" charset="0"/>
+              </a:rPr>
+              <a:t>Paola Rojas Chicoma</a:t>
+            </a:r>
+          </a:p>
+          <a:p>
+            <a:pPr algn="r"/>
+            <a:r>
+              <a:rPr lang="es-PE" sz="2400">
+                <a:latin typeface="Candara" pitchFamily="34" charset="0"/>
+              </a:rPr>
+              <a:t>Augusto Suárez Gutiérrez</a:t>
+            </a:r>
+          </a:p>
+          <a:p>
+            <a:pPr algn="r"/>
+            <a:endParaRPr lang="es-PE" sz="2400">
+              <a:solidFill>
+                <a:schemeClr val="bg1"/>
+              </a:solidFill>
+              <a:latin typeface="Candara" pitchFamily="34" charset="0"/>
+            </a:endParaRPr>
+          </a:p>
+        </p:txBody>
+      </p:sp>
+      <p:sp>
+        <p:nvSpPr>
+          <p:cNvPr id="17411" name="4 CuadroTexto"/>
+          <p:cNvSpPr txBox="1">
+            <a:spLocks noChangeArrowheads="1"/>
+          </p:cNvSpPr>
+          <p:nvPr/>
+        </p:nvSpPr>
+        <p:spPr bwMode="auto">
+          <a:xfrm>
+            <a:off x="468313" y="4292600"/>
+            <a:ext cx="3455987" cy="923925"/>
+          </a:xfrm>
+          <a:prstGeom prst="rect">
+            <a:avLst/>
+          </a:prstGeom>
+          <a:noFill/>
+          <a:ln w="9525">
+            <a:noFill/>
+            <a:miter lim="800000"/>
+            <a:headEnd/>
+            <a:tailEnd/>
+          </a:ln>
+        </p:spPr>
+        <p:txBody>
+          <a:bodyPr>
+            <a:spAutoFit/>
+          </a:bodyPr>
+          <a:lstStyle/>
+          <a:p>
+            <a:r>
+              <a:rPr lang="es-PE" sz="5400">
+                <a:solidFill>
+                  <a:schemeClr val="bg1"/>
+                </a:solidFill>
+                <a:latin typeface="Candara" pitchFamily="34" charset="0"/>
+              </a:rPr>
+              <a:t>GRACIAS </a:t>
+            </a:r>
+            <a:r>
+              <a:rPr lang="es-PE" sz="4800">
+                <a:solidFill>
+                  <a:schemeClr val="bg1"/>
+                </a:solidFill>
+                <a:latin typeface="Candara" pitchFamily="34" charset="0"/>
+              </a:rPr>
+              <a:t>!!!</a:t>
+            </a:r>
+          </a:p>
+        </p:txBody>
+      </p:sp>
+    </p:spTree>
+  </p:cSld>
+  <p:clrMapOvr>
+    <a:masterClrMapping/>
+  </p:clrMapOvr>
+  <p:timing>
+    <p:tnLst>
+      <p:par>
+        <p:cTn id="1" dur="indefinite" restart="never" nodeType="tmRoot"/>
+      </p:par>
+    </p:tnLst>
+  </p:timing>
+</p:sld>
+</file>
+
 <file path=ppt/slides/slide2.xml><?xml version="1.0" encoding="utf-8"?>
+<p:sld xmlns:a="http://schemas.openxmlformats.org/drawingml/2006/main" xmlns:r="http://schemas.openxmlformats.org/officeDocument/2006/relationships" xmlns:p="http://schemas.openxmlformats.org/presentationml/2006/main">
+  <p:cSld>
+    <p:spTree>
+      <p:nvGrpSpPr>
+        <p:cNvPr id="1" name=""/>
+        <p:cNvGrpSpPr/>
+        <p:nvPr/>
+      </p:nvGrpSpPr>
+      <p:grpSpPr>
+        <a:xfrm>
+          <a:off x="0" y="0"/>
+          <a:ext cx="0" cy="0"/>
+          <a:chOff x="0" y="0"/>
+          <a:chExt cx="0" cy="0"/>
+        </a:xfrm>
+      </p:grpSpPr>
+      <p:sp>
+        <p:nvSpPr>
+          <p:cNvPr id="24578" name="2 Título"/>
+          <p:cNvSpPr>
+            <a:spLocks noGrp="1"/>
+          </p:cNvSpPr>
+          <p:nvPr>
+            <p:ph type="title" idx="4294967295"/>
+          </p:nvPr>
+        </p:nvSpPr>
+        <p:spPr>
+          <a:xfrm>
+            <a:off x="395288" y="2852738"/>
+            <a:ext cx="8445500" cy="1252537"/>
+          </a:xfrm>
+        </p:spPr>
+        <p:txBody>
+          <a:bodyPr/>
+          <a:lstStyle/>
+          <a:p>
+            <a:pPr eaLnBrk="1" hangingPunct="1"/>
+            <a:r>
+              <a:rPr lang="es-PE" sz="4000" b="1" smtClean="0">
+                <a:solidFill>
+                  <a:schemeClr val="tx2"/>
+                </a:solidFill>
+                <a:latin typeface="Candara" pitchFamily="34" charset="0"/>
+              </a:rPr>
+              <a:t>PLAN DE PRUEBAS</a:t>
+            </a:r>
+          </a:p>
+        </p:txBody>
+      </p:sp>
+      <p:pic>
+        <p:nvPicPr>
+          <p:cNvPr id="24581" name="Picture 5" descr="plan_icon"/>
+          <p:cNvPicPr>
+            <a:picLocks noChangeAspect="1" noChangeArrowheads="1"/>
+          </p:cNvPicPr>
+          <p:nvPr/>
+        </p:nvPicPr>
+        <p:blipFill>
+          <a:blip r:embed="rId2"/>
+          <a:srcRect/>
+          <a:stretch>
+            <a:fillRect/>
+          </a:stretch>
+        </p:blipFill>
+        <p:spPr bwMode="auto">
+          <a:xfrm>
+            <a:off x="3924300" y="4149725"/>
+            <a:ext cx="1295400" cy="1295400"/>
+          </a:xfrm>
+          <a:prstGeom prst="rect">
+            <a:avLst/>
+          </a:prstGeom>
+          <a:noFill/>
+        </p:spPr>
+      </p:pic>
+    </p:spTree>
+  </p:cSld>
+  <p:clrMapOvr>
+    <a:masterClrMapping/>
+  </p:clrMapOvr>
+  <p:timing>
+    <p:tnLst>
+      <p:par>
+        <p:cTn id="1" dur="indefinite" restart="never" nodeType="tmRoot"/>
+      </p:par>
+    </p:tnLst>
+  </p:timing>
+</p:sld>
+</file>
+
+<file path=ppt/slides/slide3.xml><?xml version="1.0" encoding="utf-8"?>
+<p:sld xmlns:a="http://schemas.openxmlformats.org/drawingml/2006/main" xmlns:r="http://schemas.openxmlformats.org/officeDocument/2006/relationships" xmlns:p="http://schemas.openxmlformats.org/presentationml/2006/main">
+  <p:cSld>
+    <p:spTree>
+      <p:nvGrpSpPr>
+        <p:cNvPr id="1" name=""/>
+        <p:cNvGrpSpPr/>
+        <p:nvPr/>
+      </p:nvGrpSpPr>
+      <p:grpSpPr>
+        <a:xfrm>
+          <a:off x="0" y="0"/>
+          <a:ext cx="0" cy="0"/>
+          <a:chOff x="0" y="0"/>
+          <a:chExt cx="0" cy="0"/>
+        </a:xfrm>
+      </p:grpSpPr>
+      <p:sp>
+        <p:nvSpPr>
+          <p:cNvPr id="25602" name="2 Título"/>
+          <p:cNvSpPr>
+            <a:spLocks noGrp="1"/>
+          </p:cNvSpPr>
+          <p:nvPr>
+            <p:ph type="title" idx="4294967295"/>
+          </p:nvPr>
+        </p:nvSpPr>
+        <p:spPr>
+          <a:xfrm>
+            <a:off x="395288" y="2852738"/>
+            <a:ext cx="8445500" cy="1252537"/>
+          </a:xfrm>
+        </p:spPr>
+        <p:txBody>
+          <a:bodyPr/>
+          <a:lstStyle/>
+          <a:p>
+            <a:pPr eaLnBrk="1" hangingPunct="1"/>
+            <a:r>
+              <a:rPr lang="es-PE" sz="4000" b="1" smtClean="0">
+                <a:solidFill>
+                  <a:schemeClr val="tx2"/>
+                </a:solidFill>
+                <a:latin typeface="Candara" pitchFamily="34" charset="0"/>
+              </a:rPr>
+              <a:t>XXX</a:t>
+            </a:r>
+          </a:p>
+        </p:txBody>
+      </p:sp>
+    </p:spTree>
+  </p:cSld>
+  <p:clrMapOvr>
+    <a:masterClrMapping/>
+  </p:clrMapOvr>
+  <p:timing>
+    <p:tnLst>
+      <p:par>
+        <p:cTn id="1" dur="indefinite" restart="never" nodeType="tmRoot"/>
+      </p:par>
+    </p:tnLst>
+  </p:timing>
+</p:sld>
+</file>
+
+<file path=ppt/slides/slide4.xml><?xml version="1.0" encoding="utf-8"?>
 <p:sld xmlns:a="http://schemas.openxmlformats.org/drawingml/2006/main" xmlns:r="http://schemas.openxmlformats.org/officeDocument/2006/relationships" xmlns:p="http://schemas.openxmlformats.org/presentationml/2006/main">
   <p:cSld>
     <p:spTree>
@@ -13019,7 +13559,7 @@
       </p:sp>
       <p:pic>
         <p:nvPicPr>
-          <p:cNvPr id="10243" name="Picture 3" descr="marketing-automation"/>
+          <p:cNvPr id="10242" name="Picture 3" descr="marketing-automation"/>
           <p:cNvPicPr>
             <a:picLocks noChangeAspect="1" noChangeArrowheads="1"/>
           </p:cNvPicPr>
@@ -13052,6 +13592,12 @@
             <a:avLst/>
           </a:prstGeom>
           <a:noFill/>
+          <a:ln w="9525">
+            <a:noFill/>
+            <a:miter lim="800000"/>
+            <a:headEnd/>
+            <a:tailEnd/>
+          </a:ln>
         </p:spPr>
       </p:pic>
     </p:spTree>
@@ -13069,7 +13615,7 @@
 </p:sld>
 </file>
 
-<file path=ppt/slides/slide3.xml><?xml version="1.0" encoding="utf-8"?>
+<file path=ppt/slides/slide5.xml><?xml version="1.0" encoding="utf-8"?>
 <p:sld xmlns:a="http://schemas.openxmlformats.org/drawingml/2006/main" xmlns:r="http://schemas.openxmlformats.org/officeDocument/2006/relationships" xmlns:p="http://schemas.openxmlformats.org/presentationml/2006/main">
   <p:cSld>
     <p:spTree>
@@ -13088,7 +13634,7 @@
       </p:grpSpPr>
       <p:sp>
         <p:nvSpPr>
-          <p:cNvPr id="12291" name="Text Box 3"/>
+          <p:cNvPr id="11265" name="Text Box 3"/>
           <p:cNvSpPr txBox="1">
             <a:spLocks noChangeArrowheads="1"/>
           </p:cNvSpPr>
@@ -13109,7 +13655,6 @@
             <a:headEnd/>
             <a:tailEnd/>
           </a:ln>
-          <a:effectLst/>
         </p:spPr>
         <p:txBody>
           <a:bodyPr>
@@ -13246,7 +13791,7 @@
       </p:sp>
       <p:sp>
         <p:nvSpPr>
-          <p:cNvPr id="12292" name="Text Box 4"/>
+          <p:cNvPr id="11266" name="Text Box 4"/>
           <p:cNvSpPr txBox="1">
             <a:spLocks noChangeArrowheads="1"/>
           </p:cNvSpPr>
@@ -13267,257 +13812,6 @@
             <a:headEnd/>
             <a:tailEnd/>
           </a:ln>
-          <a:effectLst/>
-        </p:spPr>
-        <p:txBody>
-          <a:bodyPr>
-            <a:spAutoFit/>
-          </a:bodyPr>
-          <a:lstStyle/>
-          <a:p>
-            <a:pPr algn="ctr">
-              <a:spcBef>
-                <a:spcPct val="50000"/>
-              </a:spcBef>
-            </a:pPr>
-            <a:r>
-              <a:rPr lang="es-ES" sz="4000" b="1">
-                <a:solidFill>
-                  <a:srgbClr val="FFFFFF"/>
-                </a:solidFill>
-              </a:rPr>
-              <a:t>Seguridad y Continuidad del Negocio</a:t>
-            </a:r>
-          </a:p>
-        </p:txBody>
-      </p:sp>
-    </p:spTree>
-  </p:cSld>
-  <p:clrMapOvr>
-    <a:masterClrMapping/>
-  </p:clrMapOvr>
-  <p:timing>
-    <p:tnLst>
-      <p:par>
-        <p:cTn id="1" dur="indefinite" restart="never" nodeType="tmRoot"/>
-      </p:par>
-    </p:tnLst>
-  </p:timing>
-</p:sld>
-</file>
-
-<file path=ppt/slides/slide4.xml><?xml version="1.0" encoding="utf-8"?>
-<p:sld xmlns:a="http://schemas.openxmlformats.org/drawingml/2006/main" xmlns:r="http://schemas.openxmlformats.org/officeDocument/2006/relationships" xmlns:p="http://schemas.openxmlformats.org/presentationml/2006/main">
-  <p:cSld>
-    <p:spTree>
-      <p:nvGrpSpPr>
-        <p:cNvPr id="1" name=""/>
-        <p:cNvGrpSpPr/>
-        <p:nvPr/>
-      </p:nvGrpSpPr>
-      <p:grpSpPr>
-        <a:xfrm>
-          <a:off x="0" y="0"/>
-          <a:ext cx="0" cy="0"/>
-          <a:chOff x="0" y="0"/>
-          <a:chExt cx="0" cy="0"/>
-        </a:xfrm>
-      </p:grpSpPr>
-      <p:sp>
-        <p:nvSpPr>
-          <p:cNvPr id="31747" name="Text Box 3"/>
-          <p:cNvSpPr txBox="1">
-            <a:spLocks noChangeArrowheads="1"/>
-          </p:cNvSpPr>
-          <p:nvPr/>
-        </p:nvSpPr>
-        <p:spPr bwMode="auto">
-          <a:xfrm>
-            <a:off x="250825" y="549275"/>
-            <a:ext cx="8642350" cy="1311275"/>
-          </a:xfrm>
-          <a:prstGeom prst="rect">
-            <a:avLst/>
-          </a:prstGeom>
-          <a:noFill/>
-          <a:ln w="9525">
-            <a:noFill/>
-            <a:miter lim="800000"/>
-            <a:headEnd/>
-            <a:tailEnd/>
-          </a:ln>
-          <a:effectLst/>
-        </p:spPr>
-        <p:txBody>
-          <a:bodyPr>
-            <a:spAutoFit/>
-          </a:bodyPr>
-          <a:lstStyle/>
-          <a:p>
-            <a:pPr algn="ctr">
-              <a:spcBef>
-                <a:spcPct val="50000"/>
-              </a:spcBef>
-            </a:pPr>
-            <a:r>
-              <a:rPr lang="es-ES" sz="4000" b="1">
-                <a:solidFill>
-                  <a:srgbClr val="FFFFFF"/>
-                </a:solidFill>
-              </a:rPr>
-              <a:t>Seguridad y Continuidad del Negocio</a:t>
-            </a:r>
-          </a:p>
-        </p:txBody>
-      </p:sp>
-      <p:pic>
-        <p:nvPicPr>
-          <p:cNvPr id="31748" name="Picture 4"/>
-          <p:cNvPicPr>
-            <a:picLocks noChangeAspect="1" noChangeArrowheads="1"/>
-          </p:cNvPicPr>
-          <p:nvPr/>
-        </p:nvPicPr>
-        <p:blipFill>
-          <a:blip r:embed="rId2">
-            <a:clrChange>
-              <a:clrFrom>
-                <a:srgbClr val="FFFFFF"/>
-              </a:clrFrom>
-              <a:clrTo>
-                <a:srgbClr val="FFFFFF">
-                  <a:alpha val="0"/>
-                </a:srgbClr>
-              </a:clrTo>
-            </a:clrChange>
-          </a:blip>
-          <a:srcRect/>
-          <a:stretch>
-            <a:fillRect/>
-          </a:stretch>
-        </p:blipFill>
-        <p:spPr bwMode="auto">
-          <a:xfrm>
-            <a:off x="250825" y="1916113"/>
-            <a:ext cx="4537075" cy="2841625"/>
-          </a:xfrm>
-          <a:prstGeom prst="rect">
-            <a:avLst/>
-          </a:prstGeom>
-          <a:noFill/>
-          <a:ln w="19050">
-            <a:solidFill>
-              <a:srgbClr val="008000"/>
-            </a:solidFill>
-            <a:miter lim="800000"/>
-            <a:headEnd/>
-            <a:tailEnd/>
-          </a:ln>
-          <a:effectLst/>
-        </p:spPr>
-      </p:pic>
-      <p:pic>
-        <p:nvPicPr>
-          <p:cNvPr id="31749" name="Picture 5"/>
-          <p:cNvPicPr>
-            <a:picLocks noChangeAspect="1" noChangeArrowheads="1"/>
-          </p:cNvPicPr>
-          <p:nvPr/>
-        </p:nvPicPr>
-        <p:blipFill>
-          <a:blip r:embed="rId3">
-            <a:clrChange>
-              <a:clrFrom>
-                <a:srgbClr val="FFFFFF"/>
-              </a:clrFrom>
-              <a:clrTo>
-                <a:srgbClr val="FFFFFF">
-                  <a:alpha val="0"/>
-                </a:srgbClr>
-              </a:clrTo>
-            </a:clrChange>
-          </a:blip>
-          <a:srcRect/>
-          <a:stretch>
-            <a:fillRect/>
-          </a:stretch>
-        </p:blipFill>
-        <p:spPr bwMode="auto">
-          <a:xfrm>
-            <a:off x="4716463" y="3771900"/>
-            <a:ext cx="4216400" cy="2897188"/>
-          </a:xfrm>
-          <a:prstGeom prst="rect">
-            <a:avLst/>
-          </a:prstGeom>
-          <a:noFill/>
-          <a:ln w="12700">
-            <a:solidFill>
-              <a:srgbClr val="8C2902"/>
-            </a:solidFill>
-            <a:miter lim="800000"/>
-            <a:headEnd/>
-            <a:tailEnd/>
-          </a:ln>
-          <a:effectLst/>
-        </p:spPr>
-      </p:pic>
-    </p:spTree>
-  </p:cSld>
-  <p:clrMapOvr>
-    <a:masterClrMapping/>
-  </p:clrMapOvr>
-  <p:timing>
-    <p:tnLst>
-      <p:par>
-        <p:cTn id="1" dur="indefinite" restart="never" nodeType="tmRoot"/>
-      </p:par>
-    </p:tnLst>
-  </p:timing>
-</p:sld>
-</file>
-
-<file path=ppt/slides/slide5.xml><?xml version="1.0" encoding="utf-8"?>
-<p:sld xmlns:a="http://schemas.openxmlformats.org/drawingml/2006/main" xmlns:r="http://schemas.openxmlformats.org/officeDocument/2006/relationships" xmlns:p="http://schemas.openxmlformats.org/presentationml/2006/main">
-  <p:cSld>
-    <p:spTree>
-      <p:nvGrpSpPr>
-        <p:cNvPr id="1" name=""/>
-        <p:cNvGrpSpPr/>
-        <p:nvPr/>
-      </p:nvGrpSpPr>
-      <p:grpSpPr>
-        <a:xfrm>
-          <a:off x="0" y="0"/>
-          <a:ext cx="0" cy="0"/>
-          <a:chOff x="0" y="0"/>
-          <a:chExt cx="0" cy="0"/>
-        </a:xfrm>
-      </p:grpSpPr>
-      <p:sp>
-        <p:nvSpPr>
-          <p:cNvPr id="32770" name="Text Box 2"/>
-          <p:cNvSpPr txBox="1">
-            <a:spLocks noChangeArrowheads="1"/>
-          </p:cNvSpPr>
-          <p:nvPr/>
-        </p:nvSpPr>
-        <p:spPr bwMode="auto">
-          <a:xfrm>
-            <a:off x="250825" y="549275"/>
-            <a:ext cx="8642350" cy="1311275"/>
-          </a:xfrm>
-          <a:prstGeom prst="rect">
-            <a:avLst/>
-          </a:prstGeom>
-          <a:noFill/>
-          <a:ln w="9525">
-            <a:noFill/>
-            <a:miter lim="800000"/>
-            <a:headEnd/>
-            <a:tailEnd/>
-          </a:ln>
-          <a:effectLst/>
         </p:spPr>
         <p:txBody>
           <a:bodyPr>
@@ -13575,7 +13869,7 @@
       </p:grpSpPr>
       <p:sp>
         <p:nvSpPr>
-          <p:cNvPr id="33794" name="Text Box 2"/>
+          <p:cNvPr id="12289" name="Text Box 3"/>
           <p:cNvSpPr txBox="1">
             <a:spLocks noChangeArrowheads="1"/>
           </p:cNvSpPr>
@@ -13596,7 +13890,6 @@
             <a:headEnd/>
             <a:tailEnd/>
           </a:ln>
-          <a:effectLst/>
         </p:spPr>
         <p:txBody>
           <a:bodyPr>
@@ -13622,7 +13915,253 @@
       </p:sp>
       <p:pic>
         <p:nvPicPr>
-          <p:cNvPr id="33795" name="Picture 3"/>
+          <p:cNvPr id="12290" name="Picture 4"/>
+          <p:cNvPicPr>
+            <a:picLocks noChangeAspect="1" noChangeArrowheads="1"/>
+          </p:cNvPicPr>
+          <p:nvPr/>
+        </p:nvPicPr>
+        <p:blipFill>
+          <a:blip r:embed="rId2">
+            <a:clrChange>
+              <a:clrFrom>
+                <a:srgbClr val="FFFFFF"/>
+              </a:clrFrom>
+              <a:clrTo>
+                <a:srgbClr val="FFFFFF">
+                  <a:alpha val="0"/>
+                </a:srgbClr>
+              </a:clrTo>
+            </a:clrChange>
+          </a:blip>
+          <a:srcRect/>
+          <a:stretch>
+            <a:fillRect/>
+          </a:stretch>
+        </p:blipFill>
+        <p:spPr bwMode="auto">
+          <a:xfrm>
+            <a:off x="250825" y="1916113"/>
+            <a:ext cx="4537075" cy="2841625"/>
+          </a:xfrm>
+          <a:prstGeom prst="rect">
+            <a:avLst/>
+          </a:prstGeom>
+          <a:noFill/>
+          <a:ln w="19050">
+            <a:solidFill>
+              <a:srgbClr val="008000"/>
+            </a:solidFill>
+            <a:miter lim="800000"/>
+            <a:headEnd/>
+            <a:tailEnd/>
+          </a:ln>
+        </p:spPr>
+      </p:pic>
+      <p:pic>
+        <p:nvPicPr>
+          <p:cNvPr id="12291" name="Picture 5"/>
+          <p:cNvPicPr>
+            <a:picLocks noChangeAspect="1" noChangeArrowheads="1"/>
+          </p:cNvPicPr>
+          <p:nvPr/>
+        </p:nvPicPr>
+        <p:blipFill>
+          <a:blip r:embed="rId3">
+            <a:clrChange>
+              <a:clrFrom>
+                <a:srgbClr val="FFFFFF"/>
+              </a:clrFrom>
+              <a:clrTo>
+                <a:srgbClr val="FFFFFF">
+                  <a:alpha val="0"/>
+                </a:srgbClr>
+              </a:clrTo>
+            </a:clrChange>
+          </a:blip>
+          <a:srcRect/>
+          <a:stretch>
+            <a:fillRect/>
+          </a:stretch>
+        </p:blipFill>
+        <p:spPr bwMode="auto">
+          <a:xfrm>
+            <a:off x="4716463" y="3771900"/>
+            <a:ext cx="4216400" cy="2897188"/>
+          </a:xfrm>
+          <a:prstGeom prst="rect">
+            <a:avLst/>
+          </a:prstGeom>
+          <a:noFill/>
+          <a:ln w="12700">
+            <a:solidFill>
+              <a:srgbClr val="8C2902"/>
+            </a:solidFill>
+            <a:miter lim="800000"/>
+            <a:headEnd/>
+            <a:tailEnd/>
+          </a:ln>
+        </p:spPr>
+      </p:pic>
+    </p:spTree>
+  </p:cSld>
+  <p:clrMapOvr>
+    <a:masterClrMapping/>
+  </p:clrMapOvr>
+  <p:timing>
+    <p:tnLst>
+      <p:par>
+        <p:cTn id="1" dur="indefinite" restart="never" nodeType="tmRoot"/>
+      </p:par>
+    </p:tnLst>
+  </p:timing>
+</p:sld>
+</file>
+
+<file path=ppt/slides/slide7.xml><?xml version="1.0" encoding="utf-8"?>
+<p:sld xmlns:a="http://schemas.openxmlformats.org/drawingml/2006/main" xmlns:r="http://schemas.openxmlformats.org/officeDocument/2006/relationships" xmlns:p="http://schemas.openxmlformats.org/presentationml/2006/main">
+  <p:cSld>
+    <p:spTree>
+      <p:nvGrpSpPr>
+        <p:cNvPr id="1" name=""/>
+        <p:cNvGrpSpPr/>
+        <p:nvPr/>
+      </p:nvGrpSpPr>
+      <p:grpSpPr>
+        <a:xfrm>
+          <a:off x="0" y="0"/>
+          <a:ext cx="0" cy="0"/>
+          <a:chOff x="0" y="0"/>
+          <a:chExt cx="0" cy="0"/>
+        </a:xfrm>
+      </p:grpSpPr>
+      <p:sp>
+        <p:nvSpPr>
+          <p:cNvPr id="13313" name="Text Box 2"/>
+          <p:cNvSpPr txBox="1">
+            <a:spLocks noChangeArrowheads="1"/>
+          </p:cNvSpPr>
+          <p:nvPr/>
+        </p:nvSpPr>
+        <p:spPr bwMode="auto">
+          <a:xfrm>
+            <a:off x="250825" y="549275"/>
+            <a:ext cx="8642350" cy="1311275"/>
+          </a:xfrm>
+          <a:prstGeom prst="rect">
+            <a:avLst/>
+          </a:prstGeom>
+          <a:noFill/>
+          <a:ln w="9525">
+            <a:noFill/>
+            <a:miter lim="800000"/>
+            <a:headEnd/>
+            <a:tailEnd/>
+          </a:ln>
+        </p:spPr>
+        <p:txBody>
+          <a:bodyPr>
+            <a:spAutoFit/>
+          </a:bodyPr>
+          <a:lstStyle/>
+          <a:p>
+            <a:pPr algn="ctr">
+              <a:spcBef>
+                <a:spcPct val="50000"/>
+              </a:spcBef>
+            </a:pPr>
+            <a:r>
+              <a:rPr lang="es-ES" sz="4000" b="1">
+                <a:solidFill>
+                  <a:srgbClr val="FFFFFF"/>
+                </a:solidFill>
+              </a:rPr>
+              <a:t>Seguridad y Continuidad del Negocio</a:t>
+            </a:r>
+          </a:p>
+        </p:txBody>
+      </p:sp>
+    </p:spTree>
+  </p:cSld>
+  <p:clrMapOvr>
+    <a:masterClrMapping/>
+  </p:clrMapOvr>
+  <p:timing>
+    <p:tnLst>
+      <p:par>
+        <p:cTn id="1" dur="indefinite" restart="never" nodeType="tmRoot"/>
+      </p:par>
+    </p:tnLst>
+  </p:timing>
+</p:sld>
+</file>
+
+<file path=ppt/slides/slide8.xml><?xml version="1.0" encoding="utf-8"?>
+<p:sld xmlns:a="http://schemas.openxmlformats.org/drawingml/2006/main" xmlns:r="http://schemas.openxmlformats.org/officeDocument/2006/relationships" xmlns:p="http://schemas.openxmlformats.org/presentationml/2006/main">
+  <p:cSld>
+    <p:spTree>
+      <p:nvGrpSpPr>
+        <p:cNvPr id="1" name=""/>
+        <p:cNvGrpSpPr/>
+        <p:nvPr/>
+      </p:nvGrpSpPr>
+      <p:grpSpPr>
+        <a:xfrm>
+          <a:off x="0" y="0"/>
+          <a:ext cx="0" cy="0"/>
+          <a:chOff x="0" y="0"/>
+          <a:chExt cx="0" cy="0"/>
+        </a:xfrm>
+      </p:grpSpPr>
+      <p:sp>
+        <p:nvSpPr>
+          <p:cNvPr id="14337" name="Text Box 2"/>
+          <p:cNvSpPr txBox="1">
+            <a:spLocks noChangeArrowheads="1"/>
+          </p:cNvSpPr>
+          <p:nvPr/>
+        </p:nvSpPr>
+        <p:spPr bwMode="auto">
+          <a:xfrm>
+            <a:off x="250825" y="549275"/>
+            <a:ext cx="8642350" cy="1311275"/>
+          </a:xfrm>
+          <a:prstGeom prst="rect">
+            <a:avLst/>
+          </a:prstGeom>
+          <a:noFill/>
+          <a:ln w="9525">
+            <a:noFill/>
+            <a:miter lim="800000"/>
+            <a:headEnd/>
+            <a:tailEnd/>
+          </a:ln>
+        </p:spPr>
+        <p:txBody>
+          <a:bodyPr>
+            <a:spAutoFit/>
+          </a:bodyPr>
+          <a:lstStyle/>
+          <a:p>
+            <a:pPr algn="ctr">
+              <a:spcBef>
+                <a:spcPct val="50000"/>
+              </a:spcBef>
+            </a:pPr>
+            <a:r>
+              <a:rPr lang="es-ES" sz="4000" b="1">
+                <a:solidFill>
+                  <a:srgbClr val="FFFFFF"/>
+                </a:solidFill>
+              </a:rPr>
+              <a:t>Seguridad y Continuidad del Negocio</a:t>
+            </a:r>
+          </a:p>
+        </p:txBody>
+      </p:sp>
+      <p:pic>
+        <p:nvPicPr>
+          <p:cNvPr id="14338" name="Picture 3"/>
           <p:cNvPicPr>
             <a:picLocks noChangeAspect="1" noChangeArrowheads="1"/>
           </p:cNvPicPr>
@@ -13663,12 +14202,11 @@
             <a:headEnd/>
             <a:tailEnd/>
           </a:ln>
-          <a:effectLst/>
         </p:spPr>
       </p:pic>
       <p:pic>
         <p:nvPicPr>
-          <p:cNvPr id="33796" name="Picture 4"/>
+          <p:cNvPr id="14339" name="Picture 4"/>
           <p:cNvPicPr>
             <a:picLocks noChangeAspect="1" noChangeArrowheads="1"/>
           </p:cNvPicPr>
@@ -13709,275 +14247,8 @@
             <a:headEnd/>
             <a:tailEnd/>
           </a:ln>
-          <a:effectLst/>
         </p:spPr>
       </p:pic>
-    </p:spTree>
-  </p:cSld>
-  <p:clrMapOvr>
-    <a:masterClrMapping/>
-  </p:clrMapOvr>
-  <p:timing>
-    <p:tnLst>
-      <p:par>
-        <p:cTn id="1" dur="indefinite" restart="never" nodeType="tmRoot"/>
-      </p:par>
-    </p:tnLst>
-  </p:timing>
-</p:sld>
-</file>
-
-<file path=ppt/slides/slide7.xml><?xml version="1.0" encoding="utf-8"?>
-<p:sld xmlns:a="http://schemas.openxmlformats.org/drawingml/2006/main" xmlns:r="http://schemas.openxmlformats.org/officeDocument/2006/relationships" xmlns:p="http://schemas.openxmlformats.org/presentationml/2006/main">
-  <p:cSld>
-    <p:spTree>
-      <p:nvGrpSpPr>
-        <p:cNvPr id="1" name=""/>
-        <p:cNvGrpSpPr/>
-        <p:nvPr/>
-      </p:nvGrpSpPr>
-      <p:grpSpPr>
-        <a:xfrm>
-          <a:off x="0" y="0"/>
-          <a:ext cx="0" cy="0"/>
-          <a:chOff x="0" y="0"/>
-          <a:chExt cx="0" cy="0"/>
-        </a:xfrm>
-      </p:grpSpPr>
-      <p:sp>
-        <p:nvSpPr>
-          <p:cNvPr id="13313" name="2 Título"/>
-          <p:cNvSpPr>
-            <a:spLocks noGrp="1"/>
-          </p:cNvSpPr>
-          <p:nvPr>
-            <p:ph type="title" idx="4294967295"/>
-          </p:nvPr>
-        </p:nvSpPr>
-        <p:spPr>
-          <a:xfrm>
-            <a:off x="323850" y="2060575"/>
-            <a:ext cx="8516938" cy="1252538"/>
-          </a:xfrm>
-        </p:spPr>
-        <p:txBody>
-          <a:bodyPr/>
-          <a:lstStyle/>
-          <a:p>
-            <a:pPr eaLnBrk="1" hangingPunct="1"/>
-            <a:r>
-              <a:rPr lang="es-PE" sz="4000" b="1" smtClean="0">
-                <a:solidFill>
-                  <a:schemeClr val="tx2"/>
-                </a:solidFill>
-                <a:latin typeface="Candara" pitchFamily="34" charset="0"/>
-              </a:rPr>
-              <a:t>METRICAS DE CALIDAD</a:t>
-            </a:r>
-          </a:p>
-        </p:txBody>
-      </p:sp>
-      <p:pic>
-        <p:nvPicPr>
-          <p:cNvPr id="13314" name="Picture 4" descr="17"/>
-          <p:cNvPicPr>
-            <a:picLocks noChangeAspect="1" noChangeArrowheads="1"/>
-          </p:cNvPicPr>
-          <p:nvPr/>
-        </p:nvPicPr>
-        <p:blipFill>
-          <a:blip r:embed="rId2"/>
-          <a:srcRect/>
-          <a:stretch>
-            <a:fillRect/>
-          </a:stretch>
-        </p:blipFill>
-        <p:spPr bwMode="auto">
-          <a:xfrm>
-            <a:off x="2555875" y="3573463"/>
-            <a:ext cx="4284663" cy="2297112"/>
-          </a:xfrm>
-          <a:prstGeom prst="rect">
-            <a:avLst/>
-          </a:prstGeom>
-          <a:noFill/>
-          <a:ln w="9525">
-            <a:noFill/>
-            <a:miter lim="800000"/>
-            <a:headEnd/>
-            <a:tailEnd/>
-          </a:ln>
-        </p:spPr>
-      </p:pic>
-    </p:spTree>
-  </p:cSld>
-  <p:clrMapOvr>
-    <a:masterClrMapping/>
-  </p:clrMapOvr>
-  <p:timing>
-    <p:tnLst>
-      <p:par>
-        <p:cTn id="1" dur="indefinite" restart="never" nodeType="tmRoot"/>
-      </p:par>
-    </p:tnLst>
-  </p:timing>
-</p:sld>
-</file>
-
-<file path=ppt/slides/slide8.xml><?xml version="1.0" encoding="utf-8"?>
-<p:sld xmlns:a="http://schemas.openxmlformats.org/drawingml/2006/main" xmlns:r="http://schemas.openxmlformats.org/officeDocument/2006/relationships" xmlns:p="http://schemas.openxmlformats.org/presentationml/2006/main">
-  <p:cSld>
-    <p:spTree>
-      <p:nvGrpSpPr>
-        <p:cNvPr id="1" name=""/>
-        <p:cNvGrpSpPr/>
-        <p:nvPr/>
-      </p:nvGrpSpPr>
-      <p:grpSpPr>
-        <a:xfrm>
-          <a:off x="0" y="0"/>
-          <a:ext cx="0" cy="0"/>
-          <a:chOff x="0" y="0"/>
-          <a:chExt cx="0" cy="0"/>
-        </a:xfrm>
-      </p:grpSpPr>
-      <p:sp>
-        <p:nvSpPr>
-          <p:cNvPr id="34818" name="2 Título"/>
-          <p:cNvSpPr>
-            <a:spLocks noGrp="1"/>
-          </p:cNvSpPr>
-          <p:nvPr>
-            <p:ph type="title" idx="4294967295"/>
-          </p:nvPr>
-        </p:nvSpPr>
-        <p:spPr>
-          <a:xfrm>
-            <a:off x="323850" y="260350"/>
-            <a:ext cx="8516938" cy="1252538"/>
-          </a:xfrm>
-        </p:spPr>
-        <p:txBody>
-          <a:bodyPr/>
-          <a:lstStyle/>
-          <a:p>
-            <a:pPr eaLnBrk="1" hangingPunct="1"/>
-            <a:r>
-              <a:rPr lang="es-PE" sz="4000" b="1" smtClean="0">
-                <a:solidFill>
-                  <a:schemeClr val="bg1"/>
-                </a:solidFill>
-                <a:latin typeface="Candara" pitchFamily="34" charset="0"/>
-              </a:rPr>
-              <a:t>METRICAS DE CALIDAD APLICADAS A OTROS MODULOS</a:t>
-            </a:r>
-          </a:p>
-        </p:txBody>
-      </p:sp>
-      <p:sp>
-        <p:nvSpPr>
-          <p:cNvPr id="34820" name="Text Box 4"/>
-          <p:cNvSpPr txBox="1">
-            <a:spLocks noChangeArrowheads="1"/>
-          </p:cNvSpPr>
-          <p:nvPr/>
-        </p:nvSpPr>
-        <p:spPr bwMode="auto">
-          <a:xfrm>
-            <a:off x="755650" y="2133600"/>
-            <a:ext cx="7920038" cy="2465388"/>
-          </a:xfrm>
-          <a:prstGeom prst="rect">
-            <a:avLst/>
-          </a:prstGeom>
-          <a:noFill/>
-          <a:ln w="9525">
-            <a:noFill/>
-            <a:miter lim="800000"/>
-            <a:headEnd/>
-            <a:tailEnd/>
-          </a:ln>
-          <a:effectLst/>
-        </p:spPr>
-        <p:txBody>
-          <a:bodyPr>
-            <a:spAutoFit/>
-          </a:bodyPr>
-          <a:lstStyle/>
-          <a:p>
-            <a:pPr>
-              <a:spcBef>
-                <a:spcPct val="50000"/>
-              </a:spcBef>
-            </a:pPr>
-            <a:r>
-              <a:rPr lang="es-ES" sz="2400">
-                <a:solidFill>
-                  <a:schemeClr val="tx2"/>
-                </a:solidFill>
-              </a:rPr>
-              <a:t>Métrica Interna</a:t>
-            </a:r>
-          </a:p>
-          <a:p>
-            <a:pPr>
-              <a:spcBef>
-                <a:spcPct val="50000"/>
-              </a:spcBef>
-            </a:pPr>
-            <a:r>
-              <a:rPr lang="es-ES" sz="2400">
-                <a:solidFill>
-                  <a:schemeClr val="tx2"/>
-                </a:solidFill>
-              </a:rPr>
-              <a:t>Registrabilidad de Cambios</a:t>
-            </a:r>
-            <a:br>
-              <a:rPr lang="es-ES" sz="2400">
-                <a:solidFill>
-                  <a:schemeClr val="tx2"/>
-                </a:solidFill>
-              </a:rPr>
-            </a:br>
-            <a:endParaRPr lang="es-ES" sz="2400">
-              <a:solidFill>
-                <a:schemeClr val="tx2"/>
-              </a:solidFill>
-            </a:endParaRPr>
-          </a:p>
-          <a:p>
-            <a:pPr>
-              <a:spcBef>
-                <a:spcPct val="50000"/>
-              </a:spcBef>
-            </a:pPr>
-            <a:r>
-              <a:rPr lang="es-ES" sz="2400">
-                <a:solidFill>
-                  <a:schemeClr val="tx2"/>
-                </a:solidFill>
-              </a:rPr>
-              <a:t>Métrica Externa</a:t>
-            </a:r>
-          </a:p>
-          <a:p>
-            <a:pPr>
-              <a:spcBef>
-                <a:spcPct val="50000"/>
-              </a:spcBef>
-            </a:pPr>
-            <a:r>
-              <a:rPr lang="es-ES" sz="2400">
-                <a:solidFill>
-                  <a:schemeClr val="tx2"/>
-                </a:solidFill>
-              </a:rPr>
-              <a:t>Prevención de caídas</a:t>
-            </a:r>
-          </a:p>
-        </p:txBody>
-      </p:sp>
     </p:spTree>
   </p:cSld>
   <p:clrMapOvr>
@@ -14012,18 +14283,18 @@
       </p:grpSpPr>
       <p:sp>
         <p:nvSpPr>
-          <p:cNvPr id="23553" name="1 Título"/>
+          <p:cNvPr id="15361" name="2 Título"/>
           <p:cNvSpPr>
             <a:spLocks noGrp="1"/>
           </p:cNvSpPr>
           <p:nvPr>
-            <p:ph type="ctrTitle"/>
+            <p:ph type="title" idx="4294967295"/>
           </p:nvPr>
         </p:nvSpPr>
         <p:spPr>
           <a:xfrm>
-            <a:off x="390525" y="476250"/>
-            <a:ext cx="8280400" cy="1584325"/>
+            <a:off x="323850" y="2060575"/>
+            <a:ext cx="8516938" cy="1252538"/>
           </a:xfrm>
         </p:spPr>
         <p:txBody>
@@ -14032,29 +14303,36 @@
           <a:p>
             <a:pPr eaLnBrk="1" hangingPunct="1"/>
             <a:r>
-              <a:rPr lang="es-PE" smtClean="0">
+              <a:rPr lang="es-PE" sz="4000" b="1" smtClean="0">
+                <a:solidFill>
+                  <a:schemeClr val="tx2"/>
+                </a:solidFill>
                 <a:latin typeface="Candara" pitchFamily="34" charset="0"/>
               </a:rPr>
-              <a:t>CONTRATOS DE CLIENTES</a:t>
+              <a:t>METRICAS DE CALIDAD</a:t>
             </a:r>
-            <a:endParaRPr lang="es-PE" sz="3600" smtClean="0">
-              <a:latin typeface="Candara" pitchFamily="34" charset="0"/>
-            </a:endParaRPr>
           </a:p>
         </p:txBody>
       </p:sp>
-      <p:sp>
-        <p:nvSpPr>
-          <p:cNvPr id="23554" name="3 CuadroTexto"/>
-          <p:cNvSpPr txBox="1">
-            <a:spLocks noChangeArrowheads="1"/>
-          </p:cNvSpPr>
+      <p:pic>
+        <p:nvPicPr>
+          <p:cNvPr id="15362" name="Picture 4" descr="17"/>
+          <p:cNvPicPr>
+            <a:picLocks noChangeAspect="1" noChangeArrowheads="1"/>
+          </p:cNvPicPr>
           <p:nvPr/>
-        </p:nvSpPr>
+        </p:nvPicPr>
+        <p:blipFill>
+          <a:blip r:embed="rId2"/>
+          <a:srcRect/>
+          <a:stretch>
+            <a:fillRect/>
+          </a:stretch>
+        </p:blipFill>
         <p:spPr bwMode="auto">
           <a:xfrm>
-            <a:off x="4459288" y="3573463"/>
-            <a:ext cx="4186237" cy="2678112"/>
+            <a:off x="2555875" y="3573463"/>
+            <a:ext cx="4284663" cy="2297112"/>
           </a:xfrm>
           <a:prstGeom prst="rect">
             <a:avLst/>
@@ -14067,127 +14345,7 @@
             <a:tailEnd/>
           </a:ln>
         </p:spPr>
-        <p:txBody>
-          <a:bodyPr>
-            <a:spAutoFit/>
-          </a:bodyPr>
-          <a:lstStyle/>
-          <a:p>
-            <a:pPr algn="r"/>
-            <a:r>
-              <a:rPr lang="es-PE" sz="2400">
-                <a:latin typeface="Candara" pitchFamily="34" charset="0"/>
-              </a:rPr>
-              <a:t>Orlando Sedamano Cornejo</a:t>
-            </a:r>
-          </a:p>
-          <a:p>
-            <a:pPr algn="r"/>
-            <a:r>
-              <a:rPr lang="es-PE" sz="2400">
-                <a:latin typeface="Candara" pitchFamily="34" charset="0"/>
-              </a:rPr>
-              <a:t>Marco Bustinza </a:t>
-            </a:r>
-          </a:p>
-          <a:p>
-            <a:pPr algn="r"/>
-            <a:r>
-              <a:rPr lang="es-PE" sz="2400">
-                <a:latin typeface="Candara" pitchFamily="34" charset="0"/>
-              </a:rPr>
-              <a:t>Néstor Robles Cacha</a:t>
-            </a:r>
-          </a:p>
-          <a:p>
-            <a:pPr algn="r"/>
-            <a:r>
-              <a:rPr lang="es-PE" sz="2400">
-                <a:latin typeface="Candara" pitchFamily="34" charset="0"/>
-              </a:rPr>
-              <a:t>Gabriela Rojas Munive </a:t>
-            </a:r>
-          </a:p>
-          <a:p>
-            <a:pPr algn="r"/>
-            <a:r>
-              <a:rPr lang="es-PE" sz="2400">
-                <a:latin typeface="Candara" pitchFamily="34" charset="0"/>
-              </a:rPr>
-              <a:t>Paola Rojas Chicoma</a:t>
-            </a:r>
-          </a:p>
-          <a:p>
-            <a:pPr algn="r"/>
-            <a:r>
-              <a:rPr lang="es-PE" sz="2400">
-                <a:latin typeface="Candara" pitchFamily="34" charset="0"/>
-              </a:rPr>
-              <a:t>Augusto Suárez Gutiérrez</a:t>
-            </a:r>
-          </a:p>
-          <a:p>
-            <a:pPr algn="r"/>
-            <a:endParaRPr lang="es-PE" sz="2400">
-              <a:solidFill>
-                <a:schemeClr val="bg1"/>
-              </a:solidFill>
-              <a:latin typeface="Candara" pitchFamily="34" charset="0"/>
-            </a:endParaRPr>
-          </a:p>
-        </p:txBody>
-      </p:sp>
-      <p:sp>
-        <p:nvSpPr>
-          <p:cNvPr id="23555" name="4 CuadroTexto"/>
-          <p:cNvSpPr txBox="1">
-            <a:spLocks noChangeArrowheads="1"/>
-          </p:cNvSpPr>
-          <p:nvPr/>
-        </p:nvSpPr>
-        <p:spPr bwMode="auto">
-          <a:xfrm>
-            <a:off x="468313" y="4292600"/>
-            <a:ext cx="3455987" cy="923925"/>
-          </a:xfrm>
-          <a:prstGeom prst="rect">
-            <a:avLst/>
-          </a:prstGeom>
-          <a:noFill/>
-          <a:ln w="9525">
-            <a:noFill/>
-            <a:miter lim="800000"/>
-            <a:headEnd/>
-            <a:tailEnd/>
-          </a:ln>
-        </p:spPr>
-        <p:txBody>
-          <a:bodyPr>
-            <a:spAutoFit/>
-          </a:bodyPr>
-          <a:lstStyle/>
-          <a:p>
-            <a:r>
-              <a:rPr lang="es-PE" sz="5400">
-                <a:solidFill>
-                  <a:schemeClr val="bg1"/>
-                </a:solidFill>
-                <a:latin typeface="Candara" pitchFamily="34" charset="0"/>
-              </a:rPr>
-              <a:t>GRACIAS </a:t>
-            </a:r>
-            <a:r>
-              <a:rPr lang="es-PE" sz="4800">
-                <a:solidFill>
-                  <a:schemeClr val="bg1"/>
-                </a:solidFill>
-                <a:latin typeface="Candara" pitchFamily="34" charset="0"/>
-              </a:rPr>
-              <a:t>!!!</a:t>
-            </a:r>
-          </a:p>
-        </p:txBody>
-      </p:sp>
+      </p:pic>
     </p:spTree>
   </p:cSld>
   <p:clrMapOvr>

--- a/trunk/ITERACION 5/SUB ITERACION 5/PPT TP3 PRES05.pptx
+++ b/trunk/ITERACION 5/SUB ITERACION 5/PPT TP3 PRES05.pptx
@@ -252,7 +252,7 @@
             <a:pPr>
               <a:defRPr/>
             </a:pPr>
-            <a:fld id="{C340AE7F-85CD-43BB-BD47-30BEF0C5CF8F}" type="datetimeFigureOut">
+            <a:fld id="{FBE0217B-F9B8-40B9-B2BB-850B90B099EE}" type="datetimeFigureOut">
               <a:rPr lang="es-PE"/>
               <a:pPr>
                 <a:defRPr/>
@@ -439,7 +439,7 @@
             <a:pPr>
               <a:defRPr/>
             </a:pPr>
-            <a:fld id="{8FC3A262-63E9-4EC3-AED1-E1854FD7176C}" type="slidenum">
+            <a:fld id="{0CE64933-30BA-4165-B0A9-65BBF1A76028}" type="slidenum">
               <a:rPr lang="es-PE"/>
               <a:pPr>
                 <a:defRPr/>
@@ -2438,7 +2438,7 @@
             <a:pPr>
               <a:defRPr/>
             </a:pPr>
-            <a:fld id="{BC7D6BC2-0211-476F-8C54-B1CDF1A9398D}" type="datetimeFigureOut">
+            <a:fld id="{CA59BFB3-6DF9-4D11-92B7-6A62F6FF8FDE}" type="datetimeFigureOut">
               <a:rPr lang="es-PE"/>
               <a:pPr>
                 <a:defRPr/>
@@ -2497,7 +2497,7 @@
             <a:pPr>
               <a:defRPr/>
             </a:pPr>
-            <a:fld id="{90342C53-2D9B-46B8-9CA7-1FF044059B9A}" type="slidenum">
+            <a:fld id="{449D31AD-AE41-403C-9E30-E43F4AD09748}" type="slidenum">
               <a:rPr lang="es-PE"/>
               <a:pPr>
                 <a:defRPr/>
@@ -4355,7 +4355,7 @@
             <a:pPr>
               <a:defRPr/>
             </a:pPr>
-            <a:fld id="{11794A09-1967-484E-BCDB-188B3C57AB28}" type="datetimeFigureOut">
+            <a:fld id="{3825D9BE-2AC2-4D15-8520-26CD7A41528E}" type="datetimeFigureOut">
               <a:rPr lang="es-PE"/>
               <a:pPr>
                 <a:defRPr/>
@@ -4414,7 +4414,7 @@
             <a:pPr>
               <a:defRPr/>
             </a:pPr>
-            <a:fld id="{61E6A1BA-8D61-4E91-A320-F5E73A2B5B12}" type="slidenum">
+            <a:fld id="{099F71B1-4878-488A-946E-D2738218D873}" type="slidenum">
               <a:rPr lang="es-PE"/>
               <a:pPr>
                 <a:defRPr/>
@@ -6136,7 +6136,7 @@
             <a:pPr>
               <a:defRPr/>
             </a:pPr>
-            <a:fld id="{8595935C-C682-492C-AA06-E6346A189036}" type="datetimeFigureOut">
+            <a:fld id="{1BBFF025-1D2C-4E55-AD07-5A52459DE6B9}" type="datetimeFigureOut">
               <a:rPr lang="es-PE"/>
               <a:pPr>
                 <a:defRPr/>
@@ -6195,7 +6195,7 @@
             <a:pPr>
               <a:defRPr/>
             </a:pPr>
-            <a:fld id="{BDF6CE65-99F7-4887-97EB-D88327D34D07}" type="slidenum">
+            <a:fld id="{686C51F8-1031-430C-A34C-7EDA400AD95F}" type="slidenum">
               <a:rPr lang="es-PE"/>
               <a:pPr>
                 <a:defRPr/>
@@ -8152,7 +8152,7 @@
             <a:pPr>
               <a:defRPr/>
             </a:pPr>
-            <a:fld id="{1D62E8B5-9787-4882-B00D-A789E721E6B0}" type="datetimeFigureOut">
+            <a:fld id="{A7195973-3501-4E9A-809C-D2ED38D7E168}" type="datetimeFigureOut">
               <a:rPr lang="es-PE"/>
               <a:pPr>
                 <a:defRPr/>
@@ -8211,7 +8211,7 @@
             <a:pPr>
               <a:defRPr/>
             </a:pPr>
-            <a:fld id="{2D449C25-9BEB-43F8-A26E-58219DCDCCCE}" type="slidenum">
+            <a:fld id="{71F04847-7B6A-45F6-9F58-DE91A5235B22}" type="slidenum">
               <a:rPr lang="es-PE"/>
               <a:pPr>
                 <a:defRPr/>
@@ -10139,7 +10139,7 @@
             <a:pPr>
               <a:defRPr/>
             </a:pPr>
-            <a:fld id="{C5D97A89-4A8C-41D4-A577-A22AAE36022D}" type="datetimeFigureOut">
+            <a:fld id="{7CE06042-ADAD-41A2-B4B3-A91EFB7D3BA6}" type="datetimeFigureOut">
               <a:rPr lang="es-PE"/>
               <a:pPr>
                 <a:defRPr/>
@@ -10198,7 +10198,7 @@
             <a:pPr>
               <a:defRPr/>
             </a:pPr>
-            <a:fld id="{A5E9FB95-C81D-48A2-B961-A366FBAFF4B0}" type="slidenum">
+            <a:fld id="{1312A059-8945-4973-84EF-289C6158B43B}" type="slidenum">
               <a:rPr lang="es-PE"/>
               <a:pPr>
                 <a:defRPr/>
@@ -12044,7 +12044,7 @@
             <a:pPr>
               <a:defRPr/>
             </a:pPr>
-            <a:fld id="{19E14EF7-E339-45CF-A160-69075B1B333F}" type="datetimeFigureOut">
+            <a:fld id="{709EA8DA-9D3A-495E-8B12-015F2DD5E0E6}" type="datetimeFigureOut">
               <a:rPr lang="es-PE"/>
               <a:pPr>
                 <a:defRPr/>
@@ -12103,7 +12103,7 @@
             <a:pPr>
               <a:defRPr/>
             </a:pPr>
-            <a:fld id="{858CE79A-EDF2-4779-88EE-FD3B4C2A0E70}" type="slidenum">
+            <a:fld id="{9FBBB485-EB5D-4BA4-9A1A-C6718E99895D}" type="slidenum">
               <a:rPr lang="es-PE"/>
               <a:pPr>
                 <a:defRPr/>
@@ -12299,7 +12299,7 @@
             <a:pPr>
               <a:defRPr/>
             </a:pPr>
-            <a:fld id="{F9A0334D-DF83-44CD-9501-661870E817D9}" type="datetimeFigureOut">
+            <a:fld id="{6093EFD2-82D7-4B25-B4D1-9A4E15A6396F}" type="datetimeFigureOut">
               <a:rPr lang="es-PE"/>
               <a:pPr>
                 <a:defRPr/>
@@ -12396,7 +12396,7 @@
             <a:pPr>
               <a:defRPr/>
             </a:pPr>
-            <a:fld id="{670F1386-A169-4118-833C-EA3AADA0A8B0}" type="slidenum">
+            <a:fld id="{F37FB8E2-0B90-4B70-9EBD-3CA8A6C1CDA5}" type="slidenum">
               <a:rPr lang="es-PE"/>
               <a:pPr>
                 <a:defRPr/>
@@ -12988,7 +12988,7 @@
       </p:grpSpPr>
       <p:sp>
         <p:nvSpPr>
-          <p:cNvPr id="16385" name="2 Título"/>
+          <p:cNvPr id="18433" name="2 Título"/>
           <p:cNvSpPr>
             <a:spLocks noGrp="1"/>
           </p:cNvSpPr>
@@ -13021,7 +13021,7 @@
       </p:sp>
       <p:sp>
         <p:nvSpPr>
-          <p:cNvPr id="16386" name="Text Box 4"/>
+          <p:cNvPr id="18434" name="Text Box 4"/>
           <p:cNvSpPr txBox="1">
             <a:spLocks noChangeArrowheads="1"/>
           </p:cNvSpPr>
@@ -13160,7 +13160,7 @@
       </p:grpSpPr>
       <p:sp>
         <p:nvSpPr>
-          <p:cNvPr id="17409" name="1 Título"/>
+          <p:cNvPr id="19457" name="1 Título"/>
           <p:cNvSpPr>
             <a:spLocks noGrp="1"/>
           </p:cNvSpPr>
@@ -13193,7 +13193,7 @@
       </p:sp>
       <p:sp>
         <p:nvSpPr>
-          <p:cNvPr id="17410" name="3 CuadroTexto"/>
+          <p:cNvPr id="19458" name="3 CuadroTexto"/>
           <p:cNvSpPr txBox="1">
             <a:spLocks noChangeArrowheads="1"/>
           </p:cNvSpPr>
@@ -13287,7 +13287,7 @@
       </p:sp>
       <p:sp>
         <p:nvSpPr>
-          <p:cNvPr id="17411" name="4 CuadroTexto"/>
+          <p:cNvPr id="19459" name="4 CuadroTexto"/>
           <p:cNvSpPr txBox="1">
             <a:spLocks noChangeArrowheads="1"/>
           </p:cNvSpPr>
@@ -13370,7 +13370,7 @@
       </p:grpSpPr>
       <p:sp>
         <p:nvSpPr>
-          <p:cNvPr id="24578" name="2 Título"/>
+          <p:cNvPr id="10241" name="2 Título"/>
           <p:cNvSpPr>
             <a:spLocks noGrp="1"/>
           </p:cNvSpPr>
@@ -13403,7 +13403,7 @@
       </p:sp>
       <p:pic>
         <p:nvPicPr>
-          <p:cNvPr id="24581" name="Picture 5" descr="plan_icon"/>
+          <p:cNvPr id="10242" name="Picture 5" descr="plan_icon"/>
           <p:cNvPicPr>
             <a:picLocks noChangeAspect="1" noChangeArrowheads="1"/>
           </p:cNvPicPr>
@@ -13425,6 +13425,12 @@
             <a:avLst/>
           </a:prstGeom>
           <a:noFill/>
+          <a:ln w="9525">
+            <a:noFill/>
+            <a:miter lim="800000"/>
+            <a:headEnd/>
+            <a:tailEnd/>
+          </a:ln>
         </p:spPr>
       </p:pic>
     </p:spTree>
@@ -13459,39 +13465,32 @@
           <a:chExt cx="0" cy="0"/>
         </a:xfrm>
       </p:grpSpPr>
-      <p:sp>
-        <p:nvSpPr>
-          <p:cNvPr id="25602" name="2 Título"/>
-          <p:cNvSpPr>
-            <a:spLocks noGrp="1"/>
-          </p:cNvSpPr>
-          <p:nvPr>
-            <p:ph type="title" idx="4294967295"/>
-          </p:nvPr>
-        </p:nvSpPr>
-        <p:spPr>
+      <p:pic>
+        <p:nvPicPr>
+          <p:cNvPr id="11268" name="Picture 4" descr="ist2_6170310-young-helpdesk-operators"/>
+          <p:cNvPicPr>
+            <a:picLocks noChangeAspect="1" noChangeArrowheads="1"/>
+          </p:cNvPicPr>
+          <p:nvPr/>
+        </p:nvPicPr>
+        <p:blipFill>
+          <a:blip r:embed="rId2"/>
+          <a:srcRect/>
+          <a:stretch>
+            <a:fillRect/>
+          </a:stretch>
+        </p:blipFill>
+        <p:spPr bwMode="auto">
           <a:xfrm>
-            <a:off x="395288" y="2852738"/>
-            <a:ext cx="8445500" cy="1252537"/>
+            <a:off x="2987675" y="2565400"/>
+            <a:ext cx="3810000" cy="2543175"/>
           </a:xfrm>
+          <a:prstGeom prst="rect">
+            <a:avLst/>
+          </a:prstGeom>
+          <a:noFill/>
         </p:spPr>
-        <p:txBody>
-          <a:bodyPr/>
-          <a:lstStyle/>
-          <a:p>
-            <a:pPr eaLnBrk="1" hangingPunct="1"/>
-            <a:r>
-              <a:rPr lang="es-PE" sz="4000" b="1" smtClean="0">
-                <a:solidFill>
-                  <a:schemeClr val="tx2"/>
-                </a:solidFill>
-                <a:latin typeface="Candara" pitchFamily="34" charset="0"/>
-              </a:rPr>
-              <a:t>XXX</a:t>
-            </a:r>
-          </a:p>
-        </p:txBody>
-      </p:sp>
+      </p:pic>
     </p:spTree>
   </p:cSld>
   <p:clrMapOvr>
@@ -13526,7 +13525,7 @@
       </p:grpSpPr>
       <p:sp>
         <p:nvSpPr>
-          <p:cNvPr id="10241" name="2 Título"/>
+          <p:cNvPr id="12289" name="2 Título"/>
           <p:cNvSpPr>
             <a:spLocks noGrp="1"/>
           </p:cNvSpPr>
@@ -13559,7 +13558,7 @@
       </p:sp>
       <p:pic>
         <p:nvPicPr>
-          <p:cNvPr id="10242" name="Picture 3" descr="marketing-automation"/>
+          <p:cNvPr id="12290" name="Picture 3" descr="marketing-automation"/>
           <p:cNvPicPr>
             <a:picLocks noChangeAspect="1" noChangeArrowheads="1"/>
           </p:cNvPicPr>
@@ -13634,7 +13633,7 @@
       </p:grpSpPr>
       <p:sp>
         <p:nvSpPr>
-          <p:cNvPr id="11265" name="Text Box 3"/>
+          <p:cNvPr id="13313" name="Text Box 3"/>
           <p:cNvSpPr txBox="1">
             <a:spLocks noChangeArrowheads="1"/>
           </p:cNvSpPr>
@@ -13791,7 +13790,7 @@
       </p:sp>
       <p:sp>
         <p:nvSpPr>
-          <p:cNvPr id="11266" name="Text Box 4"/>
+          <p:cNvPr id="13314" name="Text Box 4"/>
           <p:cNvSpPr txBox="1">
             <a:spLocks noChangeArrowheads="1"/>
           </p:cNvSpPr>
@@ -13869,7 +13868,7 @@
       </p:grpSpPr>
       <p:sp>
         <p:nvSpPr>
-          <p:cNvPr id="12289" name="Text Box 3"/>
+          <p:cNvPr id="14337" name="Text Box 3"/>
           <p:cNvSpPr txBox="1">
             <a:spLocks noChangeArrowheads="1"/>
           </p:cNvSpPr>
@@ -13915,7 +13914,7 @@
       </p:sp>
       <p:pic>
         <p:nvPicPr>
-          <p:cNvPr id="12290" name="Picture 4"/>
+          <p:cNvPr id="14338" name="Picture 4"/>
           <p:cNvPicPr>
             <a:picLocks noChangeAspect="1" noChangeArrowheads="1"/>
           </p:cNvPicPr>
@@ -13960,7 +13959,7 @@
       </p:pic>
       <p:pic>
         <p:nvPicPr>
-          <p:cNvPr id="12291" name="Picture 5"/>
+          <p:cNvPr id="14339" name="Picture 5"/>
           <p:cNvPicPr>
             <a:picLocks noChangeAspect="1" noChangeArrowheads="1"/>
           </p:cNvPicPr>
@@ -14037,85 +14036,7 @@
       </p:grpSpPr>
       <p:sp>
         <p:nvSpPr>
-          <p:cNvPr id="13313" name="Text Box 2"/>
-          <p:cNvSpPr txBox="1">
-            <a:spLocks noChangeArrowheads="1"/>
-          </p:cNvSpPr>
-          <p:nvPr/>
-        </p:nvSpPr>
-        <p:spPr bwMode="auto">
-          <a:xfrm>
-            <a:off x="250825" y="549275"/>
-            <a:ext cx="8642350" cy="1311275"/>
-          </a:xfrm>
-          <a:prstGeom prst="rect">
-            <a:avLst/>
-          </a:prstGeom>
-          <a:noFill/>
-          <a:ln w="9525">
-            <a:noFill/>
-            <a:miter lim="800000"/>
-            <a:headEnd/>
-            <a:tailEnd/>
-          </a:ln>
-        </p:spPr>
-        <p:txBody>
-          <a:bodyPr>
-            <a:spAutoFit/>
-          </a:bodyPr>
-          <a:lstStyle/>
-          <a:p>
-            <a:pPr algn="ctr">
-              <a:spcBef>
-                <a:spcPct val="50000"/>
-              </a:spcBef>
-            </a:pPr>
-            <a:r>
-              <a:rPr lang="es-ES" sz="4000" b="1">
-                <a:solidFill>
-                  <a:srgbClr val="FFFFFF"/>
-                </a:solidFill>
-              </a:rPr>
-              <a:t>Seguridad y Continuidad del Negocio</a:t>
-            </a:r>
-          </a:p>
-        </p:txBody>
-      </p:sp>
-    </p:spTree>
-  </p:cSld>
-  <p:clrMapOvr>
-    <a:masterClrMapping/>
-  </p:clrMapOvr>
-  <p:timing>
-    <p:tnLst>
-      <p:par>
-        <p:cTn id="1" dur="indefinite" restart="never" nodeType="tmRoot"/>
-      </p:par>
-    </p:tnLst>
-  </p:timing>
-</p:sld>
-</file>
-
-<file path=ppt/slides/slide8.xml><?xml version="1.0" encoding="utf-8"?>
-<p:sld xmlns:a="http://schemas.openxmlformats.org/drawingml/2006/main" xmlns:r="http://schemas.openxmlformats.org/officeDocument/2006/relationships" xmlns:p="http://schemas.openxmlformats.org/presentationml/2006/main">
-  <p:cSld>
-    <p:spTree>
-      <p:nvGrpSpPr>
-        <p:cNvPr id="1" name=""/>
-        <p:cNvGrpSpPr/>
-        <p:nvPr/>
-      </p:nvGrpSpPr>
-      <p:grpSpPr>
-        <a:xfrm>
-          <a:off x="0" y="0"/>
-          <a:ext cx="0" cy="0"/>
-          <a:chOff x="0" y="0"/>
-          <a:chExt cx="0" cy="0"/>
-        </a:xfrm>
-      </p:grpSpPr>
-      <p:sp>
-        <p:nvSpPr>
-          <p:cNvPr id="14337" name="Text Box 2"/>
+          <p:cNvPr id="15361" name="Text Box 2"/>
           <p:cNvSpPr txBox="1">
             <a:spLocks noChangeArrowheads="1"/>
           </p:cNvSpPr>
@@ -14161,7 +14082,177 @@
       </p:sp>
       <p:pic>
         <p:nvPicPr>
-          <p:cNvPr id="14338" name="Picture 3"/>
+          <p:cNvPr id="15363" name="Picture 3"/>
+          <p:cNvPicPr>
+            <a:picLocks noChangeAspect="1" noChangeArrowheads="1"/>
+          </p:cNvPicPr>
+          <p:nvPr/>
+        </p:nvPicPr>
+        <p:blipFill>
+          <a:blip r:embed="rId2">
+            <a:clrChange>
+              <a:clrFrom>
+                <a:srgbClr val="FFFFFF"/>
+              </a:clrFrom>
+              <a:clrTo>
+                <a:srgbClr val="FFFFFF">
+                  <a:alpha val="0"/>
+                </a:srgbClr>
+              </a:clrTo>
+            </a:clrChange>
+          </a:blip>
+          <a:srcRect/>
+          <a:stretch>
+            <a:fillRect/>
+          </a:stretch>
+        </p:blipFill>
+        <p:spPr bwMode="auto">
+          <a:xfrm>
+            <a:off x="250825" y="2060575"/>
+            <a:ext cx="4743450" cy="2578100"/>
+          </a:xfrm>
+          <a:prstGeom prst="rect">
+            <a:avLst/>
+          </a:prstGeom>
+          <a:noFill/>
+          <a:ln w="19050">
+            <a:solidFill>
+              <a:schemeClr val="tx2"/>
+            </a:solidFill>
+            <a:miter lim="800000"/>
+            <a:headEnd/>
+            <a:tailEnd/>
+          </a:ln>
+          <a:effectLst/>
+        </p:spPr>
+      </p:pic>
+      <p:pic>
+        <p:nvPicPr>
+          <p:cNvPr id="15364" name="Picture 4"/>
+          <p:cNvPicPr>
+            <a:picLocks noChangeAspect="1" noChangeArrowheads="1"/>
+          </p:cNvPicPr>
+          <p:nvPr/>
+        </p:nvPicPr>
+        <p:blipFill>
+          <a:blip r:embed="rId3">
+            <a:clrChange>
+              <a:clrFrom>
+                <a:srgbClr val="FFFFFF"/>
+              </a:clrFrom>
+              <a:clrTo>
+                <a:srgbClr val="FFFFFF">
+                  <a:alpha val="0"/>
+                </a:srgbClr>
+              </a:clrTo>
+            </a:clrChange>
+          </a:blip>
+          <a:srcRect/>
+          <a:stretch>
+            <a:fillRect/>
+          </a:stretch>
+        </p:blipFill>
+        <p:spPr bwMode="auto">
+          <a:xfrm>
+            <a:off x="3851275" y="3557588"/>
+            <a:ext cx="5040313" cy="2990850"/>
+          </a:xfrm>
+          <a:prstGeom prst="rect">
+            <a:avLst/>
+          </a:prstGeom>
+          <a:noFill/>
+          <a:ln w="19050">
+            <a:solidFill>
+              <a:schemeClr val="tx2"/>
+            </a:solidFill>
+            <a:miter lim="800000"/>
+            <a:headEnd/>
+            <a:tailEnd/>
+          </a:ln>
+          <a:effectLst/>
+        </p:spPr>
+      </p:pic>
+    </p:spTree>
+  </p:cSld>
+  <p:clrMapOvr>
+    <a:masterClrMapping/>
+  </p:clrMapOvr>
+  <p:timing>
+    <p:tnLst>
+      <p:par>
+        <p:cTn id="1" dur="indefinite" restart="never" nodeType="tmRoot"/>
+      </p:par>
+    </p:tnLst>
+  </p:timing>
+</p:sld>
+</file>
+
+<file path=ppt/slides/slide8.xml><?xml version="1.0" encoding="utf-8"?>
+<p:sld xmlns:a="http://schemas.openxmlformats.org/drawingml/2006/main" xmlns:r="http://schemas.openxmlformats.org/officeDocument/2006/relationships" xmlns:p="http://schemas.openxmlformats.org/presentationml/2006/main">
+  <p:cSld>
+    <p:spTree>
+      <p:nvGrpSpPr>
+        <p:cNvPr id="1" name=""/>
+        <p:cNvGrpSpPr/>
+        <p:nvPr/>
+      </p:nvGrpSpPr>
+      <p:grpSpPr>
+        <a:xfrm>
+          <a:off x="0" y="0"/>
+          <a:ext cx="0" cy="0"/>
+          <a:chOff x="0" y="0"/>
+          <a:chExt cx="0" cy="0"/>
+        </a:xfrm>
+      </p:grpSpPr>
+      <p:sp>
+        <p:nvSpPr>
+          <p:cNvPr id="16385" name="Text Box 2"/>
+          <p:cNvSpPr txBox="1">
+            <a:spLocks noChangeArrowheads="1"/>
+          </p:cNvSpPr>
+          <p:nvPr/>
+        </p:nvSpPr>
+        <p:spPr bwMode="auto">
+          <a:xfrm>
+            <a:off x="250825" y="549275"/>
+            <a:ext cx="8642350" cy="1311275"/>
+          </a:xfrm>
+          <a:prstGeom prst="rect">
+            <a:avLst/>
+          </a:prstGeom>
+          <a:noFill/>
+          <a:ln w="9525">
+            <a:noFill/>
+            <a:miter lim="800000"/>
+            <a:headEnd/>
+            <a:tailEnd/>
+          </a:ln>
+        </p:spPr>
+        <p:txBody>
+          <a:bodyPr>
+            <a:spAutoFit/>
+          </a:bodyPr>
+          <a:lstStyle/>
+          <a:p>
+            <a:pPr algn="ctr">
+              <a:spcBef>
+                <a:spcPct val="50000"/>
+              </a:spcBef>
+            </a:pPr>
+            <a:r>
+              <a:rPr lang="es-ES" sz="4000" b="1">
+                <a:solidFill>
+                  <a:srgbClr val="FFFFFF"/>
+                </a:solidFill>
+              </a:rPr>
+              <a:t>Seguridad y Continuidad del Negocio</a:t>
+            </a:r>
+          </a:p>
+        </p:txBody>
+      </p:sp>
+      <p:pic>
+        <p:nvPicPr>
+          <p:cNvPr id="16386" name="Picture 3"/>
           <p:cNvPicPr>
             <a:picLocks noChangeAspect="1" noChangeArrowheads="1"/>
           </p:cNvPicPr>
@@ -14206,7 +14297,7 @@
       </p:pic>
       <p:pic>
         <p:nvPicPr>
-          <p:cNvPr id="14339" name="Picture 4"/>
+          <p:cNvPr id="16387" name="Picture 4"/>
           <p:cNvPicPr>
             <a:picLocks noChangeAspect="1" noChangeArrowheads="1"/>
           </p:cNvPicPr>
@@ -14283,7 +14374,7 @@
       </p:grpSpPr>
       <p:sp>
         <p:nvSpPr>
-          <p:cNvPr id="15361" name="2 Título"/>
+          <p:cNvPr id="17409" name="2 Título"/>
           <p:cNvSpPr>
             <a:spLocks noGrp="1"/>
           </p:cNvSpPr>
@@ -14316,7 +14407,7 @@
       </p:sp>
       <p:pic>
         <p:nvPicPr>
-          <p:cNvPr id="15362" name="Picture 4" descr="17"/>
+          <p:cNvPr id="17410" name="Picture 4" descr="17"/>
           <p:cNvPicPr>
             <a:picLocks noChangeAspect="1" noChangeArrowheads="1"/>
           </p:cNvPicPr>

--- a/trunk/ITERACION 5/SUB ITERACION 5/PPT TP3 PRES05.pptx
+++ b/trunk/ITERACION 5/SUB ITERACION 5/PPT TP3 PRES05.pptx
@@ -252,7 +252,7 @@
             <a:pPr>
               <a:defRPr/>
             </a:pPr>
-            <a:fld id="{FBE0217B-F9B8-40B9-B2BB-850B90B099EE}" type="datetimeFigureOut">
+            <a:fld id="{C0D04A50-49DA-4C44-A956-A2D63146E1FD}" type="datetimeFigureOut">
               <a:rPr lang="es-PE"/>
               <a:pPr>
                 <a:defRPr/>
@@ -439,7 +439,7 @@
             <a:pPr>
               <a:defRPr/>
             </a:pPr>
-            <a:fld id="{0CE64933-30BA-4165-B0A9-65BBF1A76028}" type="slidenum">
+            <a:fld id="{62FF1A94-C11E-4C23-B802-90632C249F15}" type="slidenum">
               <a:rPr lang="es-PE"/>
               <a:pPr>
                 <a:defRPr/>
@@ -2438,7 +2438,7 @@
             <a:pPr>
               <a:defRPr/>
             </a:pPr>
-            <a:fld id="{CA59BFB3-6DF9-4D11-92B7-6A62F6FF8FDE}" type="datetimeFigureOut">
+            <a:fld id="{7AE8909A-C00B-444C-A550-D0536C2DEE97}" type="datetimeFigureOut">
               <a:rPr lang="es-PE"/>
               <a:pPr>
                 <a:defRPr/>
@@ -2497,7 +2497,7 @@
             <a:pPr>
               <a:defRPr/>
             </a:pPr>
-            <a:fld id="{449D31AD-AE41-403C-9E30-E43F4AD09748}" type="slidenum">
+            <a:fld id="{D8C4358B-3597-4445-B96F-6D6C1FB5D048}" type="slidenum">
               <a:rPr lang="es-PE"/>
               <a:pPr>
                 <a:defRPr/>
@@ -4355,7 +4355,7 @@
             <a:pPr>
               <a:defRPr/>
             </a:pPr>
-            <a:fld id="{3825D9BE-2AC2-4D15-8520-26CD7A41528E}" type="datetimeFigureOut">
+            <a:fld id="{9D7B8B86-8448-4DC9-BECE-E40C262CF8C9}" type="datetimeFigureOut">
               <a:rPr lang="es-PE"/>
               <a:pPr>
                 <a:defRPr/>
@@ -4414,7 +4414,7 @@
             <a:pPr>
               <a:defRPr/>
             </a:pPr>
-            <a:fld id="{099F71B1-4878-488A-946E-D2738218D873}" type="slidenum">
+            <a:fld id="{2AAB2E0D-F1E0-46A7-89D1-C974F40008B3}" type="slidenum">
               <a:rPr lang="es-PE"/>
               <a:pPr>
                 <a:defRPr/>
@@ -6136,7 +6136,7 @@
             <a:pPr>
               <a:defRPr/>
             </a:pPr>
-            <a:fld id="{1BBFF025-1D2C-4E55-AD07-5A52459DE6B9}" type="datetimeFigureOut">
+            <a:fld id="{CFF5A16C-2147-4CE7-8C3E-EBCEEF3A529B}" type="datetimeFigureOut">
               <a:rPr lang="es-PE"/>
               <a:pPr>
                 <a:defRPr/>
@@ -6195,7 +6195,7 @@
             <a:pPr>
               <a:defRPr/>
             </a:pPr>
-            <a:fld id="{686C51F8-1031-430C-A34C-7EDA400AD95F}" type="slidenum">
+            <a:fld id="{D893ECFA-968F-476F-B626-91797915D941}" type="slidenum">
               <a:rPr lang="es-PE"/>
               <a:pPr>
                 <a:defRPr/>
@@ -8152,7 +8152,7 @@
             <a:pPr>
               <a:defRPr/>
             </a:pPr>
-            <a:fld id="{A7195973-3501-4E9A-809C-D2ED38D7E168}" type="datetimeFigureOut">
+            <a:fld id="{D697B524-F469-4171-9B44-B4D070909828}" type="datetimeFigureOut">
               <a:rPr lang="es-PE"/>
               <a:pPr>
                 <a:defRPr/>
@@ -8211,7 +8211,7 @@
             <a:pPr>
               <a:defRPr/>
             </a:pPr>
-            <a:fld id="{71F04847-7B6A-45F6-9F58-DE91A5235B22}" type="slidenum">
+            <a:fld id="{F9977D57-2C6D-419A-B1CD-88F2E048782D}" type="slidenum">
               <a:rPr lang="es-PE"/>
               <a:pPr>
                 <a:defRPr/>
@@ -10139,7 +10139,7 @@
             <a:pPr>
               <a:defRPr/>
             </a:pPr>
-            <a:fld id="{7CE06042-ADAD-41A2-B4B3-A91EFB7D3BA6}" type="datetimeFigureOut">
+            <a:fld id="{C5E7B40D-A3F7-44A2-97D0-0B485B6C82A3}" type="datetimeFigureOut">
               <a:rPr lang="es-PE"/>
               <a:pPr>
                 <a:defRPr/>
@@ -10198,7 +10198,7 @@
             <a:pPr>
               <a:defRPr/>
             </a:pPr>
-            <a:fld id="{1312A059-8945-4973-84EF-289C6158B43B}" type="slidenum">
+            <a:fld id="{5117BDF8-3DA5-4B60-AABE-A1AD4F8A1FC8}" type="slidenum">
               <a:rPr lang="es-PE"/>
               <a:pPr>
                 <a:defRPr/>
@@ -12044,7 +12044,7 @@
             <a:pPr>
               <a:defRPr/>
             </a:pPr>
-            <a:fld id="{709EA8DA-9D3A-495E-8B12-015F2DD5E0E6}" type="datetimeFigureOut">
+            <a:fld id="{7FFC5B07-251F-4E5D-A69E-0546031F1578}" type="datetimeFigureOut">
               <a:rPr lang="es-PE"/>
               <a:pPr>
                 <a:defRPr/>
@@ -12103,7 +12103,7 @@
             <a:pPr>
               <a:defRPr/>
             </a:pPr>
-            <a:fld id="{9FBBB485-EB5D-4BA4-9A1A-C6718E99895D}" type="slidenum">
+            <a:fld id="{3EC243F8-92E0-4AED-8190-4130469E5996}" type="slidenum">
               <a:rPr lang="es-PE"/>
               <a:pPr>
                 <a:defRPr/>
@@ -12299,7 +12299,7 @@
             <a:pPr>
               <a:defRPr/>
             </a:pPr>
-            <a:fld id="{6093EFD2-82D7-4B25-B4D1-9A4E15A6396F}" type="datetimeFigureOut">
+            <a:fld id="{B709E030-52C0-4752-9DFA-DCB2BE326D0D}" type="datetimeFigureOut">
               <a:rPr lang="es-PE"/>
               <a:pPr>
                 <a:defRPr/>
@@ -12396,7 +12396,7 @@
             <a:pPr>
               <a:defRPr/>
             </a:pPr>
-            <a:fld id="{F37FB8E2-0B90-4B70-9EBD-3CA8A6C1CDA5}" type="slidenum">
+            <a:fld id="{9C4E6422-F17C-4EEB-BEA3-CEC0836C4EBA}" type="slidenum">
               <a:rPr lang="es-PE"/>
               <a:pPr>
                 <a:defRPr/>
@@ -13465,9 +13465,51 @@
           <a:chExt cx="0" cy="0"/>
         </a:xfrm>
       </p:grpSpPr>
+      <p:sp>
+        <p:nvSpPr>
+          <p:cNvPr id="11269" name="Rectangle 5"/>
+          <p:cNvSpPr>
+            <a:spLocks noChangeArrowheads="1"/>
+          </p:cNvSpPr>
+          <p:nvPr/>
+        </p:nvSpPr>
+        <p:spPr bwMode="auto">
+          <a:xfrm>
+            <a:off x="2124075" y="476250"/>
+            <a:ext cx="5410200" cy="519113"/>
+          </a:xfrm>
+          <a:prstGeom prst="rect">
+            <a:avLst/>
+          </a:prstGeom>
+          <a:noFill/>
+          <a:ln w="9525">
+            <a:noFill/>
+            <a:miter lim="800000"/>
+            <a:headEnd/>
+            <a:tailEnd/>
+          </a:ln>
+          <a:effectLst/>
+        </p:spPr>
+        <p:txBody>
+          <a:bodyPr wrap="none">
+            <a:spAutoFit/>
+          </a:bodyPr>
+          <a:lstStyle/>
+          <a:p>
+            <a:r>
+              <a:rPr lang="es-ES" sz="2800">
+                <a:solidFill>
+                  <a:schemeClr val="bg1"/>
+                </a:solidFill>
+              </a:rPr>
+              <a:t>Gestión de Procesos de Pruebas</a:t>
+            </a:r>
+          </a:p>
+        </p:txBody>
+      </p:sp>
       <p:pic>
         <p:nvPicPr>
-          <p:cNvPr id="11268" name="Picture 4" descr="ist2_6170310-young-helpdesk-operators"/>
+          <p:cNvPr id="11270" name="Picture 6"/>
           <p:cNvPicPr>
             <a:picLocks noChangeAspect="1" noChangeArrowheads="1"/>
           </p:cNvPicPr>
@@ -13482,13 +13524,22 @@
         </p:blipFill>
         <p:spPr bwMode="auto">
           <a:xfrm>
-            <a:off x="2987675" y="2565400"/>
-            <a:ext cx="3810000" cy="2543175"/>
+            <a:off x="3132138" y="1628775"/>
+            <a:ext cx="3127375" cy="3863975"/>
           </a:xfrm>
           <a:prstGeom prst="rect">
             <a:avLst/>
           </a:prstGeom>
           <a:noFill/>
+          <a:ln w="12700">
+            <a:solidFill>
+              <a:schemeClr val="tx1"/>
+            </a:solidFill>
+            <a:miter lim="800000"/>
+            <a:headEnd/>
+            <a:tailEnd/>
+          </a:ln>
+          <a:effectLst/>
         </p:spPr>
       </p:pic>
     </p:spTree>
@@ -13558,25 +13609,14 @@
       </p:sp>
       <p:pic>
         <p:nvPicPr>
-          <p:cNvPr id="12290" name="Picture 3" descr="marketing-automation"/>
+          <p:cNvPr id="12292" name="Picture 4" descr="ist2_6170310-young-helpdesk-operators"/>
           <p:cNvPicPr>
             <a:picLocks noChangeAspect="1" noChangeArrowheads="1"/>
           </p:cNvPicPr>
           <p:nvPr/>
         </p:nvPicPr>
         <p:blipFill>
-          <a:blip r:embed="rId2">
-            <a:clrChange>
-              <a:clrFrom>
-                <a:srgbClr val="FFFFFF"/>
-              </a:clrFrom>
-              <a:clrTo>
-                <a:srgbClr val="FFFFFF">
-                  <a:alpha val="0"/>
-                </a:srgbClr>
-              </a:clrTo>
-            </a:clrChange>
-          </a:blip>
+          <a:blip r:embed="rId2"/>
           <a:srcRect/>
           <a:stretch>
             <a:fillRect/>
@@ -13584,19 +13624,13 @@
         </p:blipFill>
         <p:spPr bwMode="auto">
           <a:xfrm>
-            <a:off x="3635375" y="3933825"/>
-            <a:ext cx="2447925" cy="1835150"/>
+            <a:off x="3203575" y="3860800"/>
+            <a:ext cx="2808288" cy="1874838"/>
           </a:xfrm>
           <a:prstGeom prst="rect">
             <a:avLst/>
           </a:prstGeom>
           <a:noFill/>
-          <a:ln w="9525">
-            <a:noFill/>
-            <a:miter lim="800000"/>
-            <a:headEnd/>
-            <a:tailEnd/>
-          </a:ln>
         </p:spPr>
       </p:pic>
     </p:spTree>
